--- a/Capstone3/Capstone3_FinalPres.pptx
+++ b/Capstone3/Capstone3_FinalPres.pptx
@@ -10,14 +10,18 @@
     <p:sldId id="258" r:id="rId4"/>
     <p:sldId id="284" r:id="rId5"/>
     <p:sldId id="259" r:id="rId6"/>
-    <p:sldId id="272" r:id="rId7"/>
-    <p:sldId id="285" r:id="rId8"/>
-    <p:sldId id="273" r:id="rId9"/>
-    <p:sldId id="282" r:id="rId10"/>
-    <p:sldId id="275" r:id="rId11"/>
-    <p:sldId id="276" r:id="rId12"/>
-    <p:sldId id="278" r:id="rId13"/>
-    <p:sldId id="281" r:id="rId14"/>
+    <p:sldId id="286" r:id="rId7"/>
+    <p:sldId id="272" r:id="rId8"/>
+    <p:sldId id="285" r:id="rId9"/>
+    <p:sldId id="287" r:id="rId10"/>
+    <p:sldId id="273" r:id="rId11"/>
+    <p:sldId id="288" r:id="rId12"/>
+    <p:sldId id="275" r:id="rId13"/>
+    <p:sldId id="289" r:id="rId14"/>
+    <p:sldId id="290" r:id="rId15"/>
+    <p:sldId id="291" r:id="rId16"/>
+    <p:sldId id="292" r:id="rId17"/>
+    <p:sldId id="293" r:id="rId18"/>
   </p:sldIdLst>
   <p:sldSz cx="9144000" cy="6858000" type="screen4x3"/>
   <p:notesSz cx="6858000" cy="9144000"/>
@@ -300,7 +304,7 @@
           <a:p>
             <a:fld id="{669F01BA-4BA4-43F7-831F-548FDB01749C}" type="datetimeFigureOut">
               <a:rPr lang="en-US" smtClean="0"/>
-              <a:t>3/16/2021</a:t>
+              <a:t>4/11/2021</a:t>
             </a:fld>
             <a:endParaRPr lang="en-US"/>
           </a:p>
@@ -470,7 +474,7 @@
           <a:p>
             <a:fld id="{669F01BA-4BA4-43F7-831F-548FDB01749C}" type="datetimeFigureOut">
               <a:rPr lang="en-US" smtClean="0"/>
-              <a:t>3/16/2021</a:t>
+              <a:t>4/11/2021</a:t>
             </a:fld>
             <a:endParaRPr lang="en-US"/>
           </a:p>
@@ -650,7 +654,7 @@
           <a:p>
             <a:fld id="{669F01BA-4BA4-43F7-831F-548FDB01749C}" type="datetimeFigureOut">
               <a:rPr lang="en-US" smtClean="0"/>
-              <a:t>3/16/2021</a:t>
+              <a:t>4/11/2021</a:t>
             </a:fld>
             <a:endParaRPr lang="en-US"/>
           </a:p>
@@ -820,7 +824,7 @@
           <a:p>
             <a:fld id="{669F01BA-4BA4-43F7-831F-548FDB01749C}" type="datetimeFigureOut">
               <a:rPr lang="en-US" smtClean="0"/>
-              <a:t>3/16/2021</a:t>
+              <a:t>4/11/2021</a:t>
             </a:fld>
             <a:endParaRPr lang="en-US"/>
           </a:p>
@@ -1066,7 +1070,7 @@
           <a:p>
             <a:fld id="{669F01BA-4BA4-43F7-831F-548FDB01749C}" type="datetimeFigureOut">
               <a:rPr lang="en-US" smtClean="0"/>
-              <a:t>3/16/2021</a:t>
+              <a:t>4/11/2021</a:t>
             </a:fld>
             <a:endParaRPr lang="en-US"/>
           </a:p>
@@ -1354,7 +1358,7 @@
           <a:p>
             <a:fld id="{669F01BA-4BA4-43F7-831F-548FDB01749C}" type="datetimeFigureOut">
               <a:rPr lang="en-US" smtClean="0"/>
-              <a:t>3/16/2021</a:t>
+              <a:t>4/11/2021</a:t>
             </a:fld>
             <a:endParaRPr lang="en-US"/>
           </a:p>
@@ -1776,7 +1780,7 @@
           <a:p>
             <a:fld id="{669F01BA-4BA4-43F7-831F-548FDB01749C}" type="datetimeFigureOut">
               <a:rPr lang="en-US" smtClean="0"/>
-              <a:t>3/16/2021</a:t>
+              <a:t>4/11/2021</a:t>
             </a:fld>
             <a:endParaRPr lang="en-US"/>
           </a:p>
@@ -1894,7 +1898,7 @@
           <a:p>
             <a:fld id="{669F01BA-4BA4-43F7-831F-548FDB01749C}" type="datetimeFigureOut">
               <a:rPr lang="en-US" smtClean="0"/>
-              <a:t>3/16/2021</a:t>
+              <a:t>4/11/2021</a:t>
             </a:fld>
             <a:endParaRPr lang="en-US"/>
           </a:p>
@@ -1989,7 +1993,7 @@
           <a:p>
             <a:fld id="{669F01BA-4BA4-43F7-831F-548FDB01749C}" type="datetimeFigureOut">
               <a:rPr lang="en-US" smtClean="0"/>
-              <a:t>3/16/2021</a:t>
+              <a:t>4/11/2021</a:t>
             </a:fld>
             <a:endParaRPr lang="en-US"/>
           </a:p>
@@ -2266,7 +2270,7 @@
           <a:p>
             <a:fld id="{669F01BA-4BA4-43F7-831F-548FDB01749C}" type="datetimeFigureOut">
               <a:rPr lang="en-US" smtClean="0"/>
-              <a:t>3/16/2021</a:t>
+              <a:t>4/11/2021</a:t>
             </a:fld>
             <a:endParaRPr lang="en-US"/>
           </a:p>
@@ -2519,7 +2523,7 @@
           <a:p>
             <a:fld id="{669F01BA-4BA4-43F7-831F-548FDB01749C}" type="datetimeFigureOut">
               <a:rPr lang="en-US" smtClean="0"/>
-              <a:t>3/16/2021</a:t>
+              <a:t>4/11/2021</a:t>
             </a:fld>
             <a:endParaRPr lang="en-US"/>
           </a:p>
@@ -2732,7 +2736,7 @@
           <a:p>
             <a:fld id="{669F01BA-4BA4-43F7-831F-548FDB01749C}" type="datetimeFigureOut">
               <a:rPr lang="en-US" smtClean="0"/>
-              <a:t>3/16/2021</a:t>
+              <a:t>4/11/2021</a:t>
             </a:fld>
             <a:endParaRPr lang="en-US"/>
           </a:p>
@@ -3165,7 +3169,14 @@
                 <a:latin typeface="Arial" panose="020B0604020202020204" pitchFamily="34" charset="0"/>
                 <a:cs typeface="Arial" panose="020B0604020202020204" pitchFamily="34" charset="0"/>
               </a:rPr>
-              <a:t>3/16/2021</a:t>
+              <a:t>4</a:t>
+            </a:r>
+            <a:r>
+              <a:rPr lang="en-US" dirty="0" smtClean="0">
+                <a:latin typeface="Arial" panose="020B0604020202020204" pitchFamily="34" charset="0"/>
+                <a:cs typeface="Arial" panose="020B0604020202020204" pitchFamily="34" charset="0"/>
+              </a:rPr>
+              <a:t>/06/2021</a:t>
             </a:r>
             <a:endParaRPr lang="en-US" dirty="0">
               <a:latin typeface="Arial" panose="020B0604020202020204" pitchFamily="34" charset="0"/>
@@ -3220,13 +3231,316 @@
           <a:lstStyle/>
           <a:p>
             <a:r>
+              <a:rPr lang="en-US" b="1" dirty="0">
+                <a:latin typeface="Arial" panose="020B0604020202020204" pitchFamily="34" charset="0"/>
+                <a:cs typeface="Arial" panose="020B0604020202020204" pitchFamily="34" charset="0"/>
+              </a:rPr>
+              <a:t>Preprocessing and Modeling</a:t>
+            </a:r>
+            <a:endParaRPr lang="en-US" dirty="0">
+              <a:latin typeface="Arial" panose="020B0604020202020204" pitchFamily="34" charset="0"/>
+              <a:cs typeface="Arial" panose="020B0604020202020204" pitchFamily="34" charset="0"/>
+            </a:endParaRPr>
+          </a:p>
+        </p:txBody>
+      </p:sp>
+      <p:sp>
+        <p:nvSpPr>
+          <p:cNvPr id="3" name="Content Placeholder 2"/>
+          <p:cNvSpPr>
+            <a:spLocks noGrp="1"/>
+          </p:cNvSpPr>
+          <p:nvPr>
+            <p:ph idx="1"/>
+          </p:nvPr>
+        </p:nvSpPr>
+        <p:spPr>
+          <a:xfrm>
+            <a:off x="381000" y="1447800"/>
+            <a:ext cx="8382000" cy="838200"/>
+          </a:xfrm>
+        </p:spPr>
+        <p:txBody>
+          <a:bodyPr>
+            <a:normAutofit/>
+          </a:bodyPr>
+          <a:lstStyle/>
+          <a:p>
+            <a:pPr marL="0" indent="0">
+              <a:buNone/>
+            </a:pPr>
+            <a:r>
+              <a:rPr lang="en-US" sz="2000" dirty="0" smtClean="0">
+                <a:latin typeface="Arial" panose="020B0604020202020204" pitchFamily="34" charset="0"/>
+                <a:cs typeface="Arial" panose="020B0604020202020204" pitchFamily="34" charset="0"/>
+              </a:rPr>
+              <a:t>The </a:t>
+            </a:r>
+            <a:r>
+              <a:rPr lang="en-US" sz="2000" dirty="0">
+                <a:latin typeface="Arial" panose="020B0604020202020204" pitchFamily="34" charset="0"/>
+                <a:cs typeface="Arial" panose="020B0604020202020204" pitchFamily="34" charset="0"/>
+              </a:rPr>
+              <a:t>data was scaled using a Robust Scaler and I ran a Random Forest Regressor to find the Feature Importance which is displayed below. </a:t>
+            </a:r>
+            <a:endParaRPr lang="en-US" sz="2000" dirty="0" smtClean="0">
+              <a:latin typeface="Arial" panose="020B0604020202020204" pitchFamily="34" charset="0"/>
+              <a:cs typeface="Arial" panose="020B0604020202020204" pitchFamily="34" charset="0"/>
+            </a:endParaRPr>
+          </a:p>
+        </p:txBody>
+      </p:sp>
+      <p:pic>
+        <p:nvPicPr>
+          <p:cNvPr id="4" name="Picture 3"/>
+          <p:cNvPicPr>
+            <a:picLocks noChangeAspect="1"/>
+          </p:cNvPicPr>
+          <p:nvPr/>
+        </p:nvPicPr>
+        <p:blipFill>
+          <a:blip r:embed="rId2">
+            <a:extLst>
+              <a:ext uri="{28A0092B-C50C-407E-A947-70E740481C1C}">
+                <a14:useLocalDpi xmlns:a14="http://schemas.microsoft.com/office/drawing/2010/main" val="0"/>
+              </a:ext>
+            </a:extLst>
+          </a:blip>
+          <a:stretch>
+            <a:fillRect/>
+          </a:stretch>
+        </p:blipFill>
+        <p:spPr>
+          <a:xfrm>
+            <a:off x="912362" y="2464216"/>
+            <a:ext cx="7317238" cy="3936584"/>
+          </a:xfrm>
+          <a:prstGeom prst="rect">
+            <a:avLst/>
+          </a:prstGeom>
+        </p:spPr>
+      </p:pic>
+    </p:spTree>
+    <p:extLst>
+      <p:ext uri="{BB962C8B-B14F-4D97-AF65-F5344CB8AC3E}">
+        <p14:creationId xmlns:p14="http://schemas.microsoft.com/office/powerpoint/2010/main" val="1439704083"/>
+      </p:ext>
+    </p:extLst>
+  </p:cSld>
+  <p:clrMapOvr>
+    <a:masterClrMapping/>
+  </p:clrMapOvr>
+</p:sld>
+</file>
+
+<file path=ppt/slides/slide11.xml><?xml version="1.0" encoding="utf-8"?>
+<p:sld xmlns:a="http://schemas.openxmlformats.org/drawingml/2006/main" xmlns:r="http://schemas.openxmlformats.org/officeDocument/2006/relationships" xmlns:p="http://schemas.openxmlformats.org/presentationml/2006/main">
+  <p:cSld>
+    <p:spTree>
+      <p:nvGrpSpPr>
+        <p:cNvPr id="1" name=""/>
+        <p:cNvGrpSpPr/>
+        <p:nvPr/>
+      </p:nvGrpSpPr>
+      <p:grpSpPr>
+        <a:xfrm>
+          <a:off x="0" y="0"/>
+          <a:ext cx="0" cy="0"/>
+          <a:chOff x="0" y="0"/>
+          <a:chExt cx="0" cy="0"/>
+        </a:xfrm>
+      </p:grpSpPr>
+      <p:sp>
+        <p:nvSpPr>
+          <p:cNvPr id="2" name="Title 1"/>
+          <p:cNvSpPr>
+            <a:spLocks noGrp="1"/>
+          </p:cNvSpPr>
+          <p:nvPr>
+            <p:ph type="title"/>
+          </p:nvPr>
+        </p:nvSpPr>
+        <p:spPr/>
+        <p:txBody>
+          <a:bodyPr/>
+          <a:lstStyle/>
+          <a:p>
+            <a:r>
+              <a:rPr lang="en-US" dirty="0">
+                <a:latin typeface="Arial" panose="020B0604020202020204" pitchFamily="34" charset="0"/>
+                <a:cs typeface="Arial" panose="020B0604020202020204" pitchFamily="34" charset="0"/>
+              </a:rPr>
+              <a:t>Modeling</a:t>
+            </a:r>
+            <a:endParaRPr lang="en-US" dirty="0"/>
+          </a:p>
+        </p:txBody>
+      </p:sp>
+      <p:sp>
+        <p:nvSpPr>
+          <p:cNvPr id="3" name="Content Placeholder 2"/>
+          <p:cNvSpPr>
+            <a:spLocks noGrp="1"/>
+          </p:cNvSpPr>
+          <p:nvPr>
+            <p:ph idx="1"/>
+          </p:nvPr>
+        </p:nvSpPr>
+        <p:spPr/>
+        <p:txBody>
+          <a:bodyPr>
+            <a:normAutofit fontScale="92500" lnSpcReduction="20000"/>
+          </a:bodyPr>
+          <a:lstStyle/>
+          <a:p>
+            <a:pPr marL="0" indent="0">
+              <a:buNone/>
+            </a:pPr>
+            <a:r>
+              <a:rPr lang="en-US" dirty="0"/>
+              <a:t>I tested and scored the following models: </a:t>
+            </a:r>
+            <a:r>
+              <a:rPr lang="en-US" dirty="0" err="1"/>
+              <a:t>RandomForestClassifier</a:t>
+            </a:r>
+            <a:r>
+              <a:rPr lang="en-US" dirty="0"/>
+              <a:t>, </a:t>
+            </a:r>
+            <a:r>
+              <a:rPr lang="en-US" dirty="0" err="1"/>
+              <a:t>KNeighborsClassifier</a:t>
+            </a:r>
+            <a:r>
+              <a:rPr lang="en-US" dirty="0"/>
+              <a:t>, and Logistic Regression. I used </a:t>
+            </a:r>
+            <a:r>
+              <a:rPr lang="en-US" dirty="0" err="1"/>
+              <a:t>GridsearchCV</a:t>
+            </a:r>
+            <a:r>
+              <a:rPr lang="en-US" dirty="0"/>
+              <a:t> hyper parameter tuning for the models as well. I then ran the ROC_AUC scores/curve and Classification Reports. Logistic Regression scored higher than the others and was what I recommend for the final model</a:t>
+            </a:r>
+            <a:r>
+              <a:rPr lang="en-US" dirty="0" smtClean="0"/>
+              <a:t>.</a:t>
+            </a:r>
+          </a:p>
+          <a:p>
+            <a:pPr marL="0" indent="0">
+              <a:buNone/>
+            </a:pPr>
+            <a:r>
+              <a:rPr lang="en-US" dirty="0" smtClean="0"/>
+              <a:t>With this model, we want a high </a:t>
+            </a:r>
+            <a:r>
+              <a:rPr lang="en-US" dirty="0"/>
+              <a:t>TPR </a:t>
+            </a:r>
+            <a:r>
+              <a:rPr lang="en-US" dirty="0" smtClean="0"/>
+              <a:t>considering </a:t>
+            </a:r>
+            <a:r>
+              <a:rPr lang="en-US" dirty="0"/>
+              <a:t>you don’t want to tell someone they don’t have cancer when they do. </a:t>
+            </a:r>
+          </a:p>
+        </p:txBody>
+      </p:sp>
+    </p:spTree>
+    <p:extLst>
+      <p:ext uri="{BB962C8B-B14F-4D97-AF65-F5344CB8AC3E}">
+        <p14:creationId xmlns:p14="http://schemas.microsoft.com/office/powerpoint/2010/main" val="2894540038"/>
+      </p:ext>
+    </p:extLst>
+  </p:cSld>
+  <p:clrMapOvr>
+    <a:masterClrMapping/>
+  </p:clrMapOvr>
+</p:sld>
+</file>
+
+<file path=ppt/slides/slide12.xml><?xml version="1.0" encoding="utf-8"?>
+<p:sld xmlns:a="http://schemas.openxmlformats.org/drawingml/2006/main" xmlns:r="http://schemas.openxmlformats.org/officeDocument/2006/relationships" xmlns:p="http://schemas.openxmlformats.org/presentationml/2006/main">
+  <p:cSld>
+    <p:spTree>
+      <p:nvGrpSpPr>
+        <p:cNvPr id="1" name=""/>
+        <p:cNvGrpSpPr/>
+        <p:nvPr/>
+      </p:nvGrpSpPr>
+      <p:grpSpPr>
+        <a:xfrm>
+          <a:off x="0" y="0"/>
+          <a:ext cx="0" cy="0"/>
+          <a:chOff x="0" y="0"/>
+          <a:chExt cx="0" cy="0"/>
+        </a:xfrm>
+      </p:grpSpPr>
+      <p:sp>
+        <p:nvSpPr>
+          <p:cNvPr id="2" name="Title 1"/>
+          <p:cNvSpPr>
+            <a:spLocks noGrp="1"/>
+          </p:cNvSpPr>
+          <p:nvPr>
+            <p:ph type="title"/>
+          </p:nvPr>
+        </p:nvSpPr>
+        <p:spPr/>
+        <p:txBody>
+          <a:bodyPr>
+            <a:normAutofit/>
+          </a:bodyPr>
+          <a:lstStyle/>
+          <a:p>
+            <a:r>
               <a:rPr lang="en-US" dirty="0" smtClean="0">
                 <a:latin typeface="Arial" panose="020B0604020202020204" pitchFamily="34" charset="0"/>
                 <a:cs typeface="Arial" panose="020B0604020202020204" pitchFamily="34" charset="0"/>
               </a:rPr>
-              <a:t>Modeling</a:t>
-            </a:r>
-            <a:endParaRPr lang="en-US" dirty="0">
+              <a:t>Models</a:t>
+            </a:r>
+            <a:br>
+              <a:rPr lang="en-US" dirty="0" smtClean="0">
+                <a:latin typeface="Arial" panose="020B0604020202020204" pitchFamily="34" charset="0"/>
+                <a:cs typeface="Arial" panose="020B0604020202020204" pitchFamily="34" charset="0"/>
+              </a:rPr>
+            </a:br>
+            <a:r>
+              <a:rPr lang="en-US" sz="1600" dirty="0">
+                <a:latin typeface="Arial" panose="020B0604020202020204" pitchFamily="34" charset="0"/>
+                <a:cs typeface="Arial" panose="020B0604020202020204" pitchFamily="34" charset="0"/>
+              </a:rPr>
+              <a:t>With </a:t>
+            </a:r>
+            <a:r>
+              <a:rPr lang="en-US" sz="1600" dirty="0" err="1">
+                <a:latin typeface="Arial" panose="020B0604020202020204" pitchFamily="34" charset="0"/>
+                <a:cs typeface="Arial" panose="020B0604020202020204" pitchFamily="34" charset="0"/>
+              </a:rPr>
+              <a:t>GridsearchCV</a:t>
+            </a:r>
+            <a:r>
+              <a:rPr lang="en-US" sz="1600" dirty="0">
+                <a:latin typeface="Arial" panose="020B0604020202020204" pitchFamily="34" charset="0"/>
+                <a:cs typeface="Arial" panose="020B0604020202020204" pitchFamily="34" charset="0"/>
+              </a:rPr>
+              <a:t> hyper parameter </a:t>
+            </a:r>
+            <a:r>
+              <a:rPr lang="en-US" sz="1600" dirty="0" smtClean="0">
+                <a:latin typeface="Arial" panose="020B0604020202020204" pitchFamily="34" charset="0"/>
+                <a:cs typeface="Arial" panose="020B0604020202020204" pitchFamily="34" charset="0"/>
+              </a:rPr>
+              <a:t>Tuning</a:t>
+            </a:r>
+            <a:endParaRPr lang="en-US" sz="1600" dirty="0">
               <a:latin typeface="Arial" panose="020B0604020202020204" pitchFamily="34" charset="0"/>
               <a:cs typeface="Arial" panose="020B0604020202020204" pitchFamily="34" charset="0"/>
             </a:endParaRPr>
@@ -3243,7 +3557,7 @@
             <p:ph sz="half" idx="2"/>
             <p:extLst>
               <p:ext uri="{D42A27DB-BD31-4B8C-83A1-F6EECF244321}">
-                <p14:modId xmlns:p14="http://schemas.microsoft.com/office/powerpoint/2010/main" val="2083454696"/>
+                <p14:modId xmlns:p14="http://schemas.microsoft.com/office/powerpoint/2010/main" val="2075301296"/>
               </p:ext>
             </p:extLst>
           </p:nvPr>
@@ -3286,7 +3600,7 @@
                         <a:defRPr/>
                       </a:pPr>
                       <a:r>
-                        <a:rPr kumimoji="0" lang="en-US" sz="2800" b="0" i="0" u="none" strike="noStrike" kern="1200" cap="none" spc="0" normalizeH="0" baseline="0" noProof="0" dirty="0" err="1" smtClean="0">
+                        <a:rPr kumimoji="0" lang="en-US" sz="2800" b="0" i="0" u="none" strike="noStrike" kern="1200" cap="none" spc="0" normalizeH="0" baseline="0" noProof="0" dirty="0" smtClean="0">
                           <a:ln>
                             <a:noFill/>
                           </a:ln>
@@ -3300,7 +3614,7 @@
                           <a:ea typeface="+mn-ea"/>
                           <a:cs typeface="Arial" panose="020B0604020202020204" pitchFamily="34" charset="0"/>
                         </a:rPr>
-                        <a:t>KNeighborsClassifier</a:t>
+                        <a:t>Logistic Regression</a:t>
                       </a:r>
                       <a:endParaRPr kumimoji="0" lang="en-US" sz="2800" b="0" i="0" u="none" strike="noStrike" kern="1200" cap="none" spc="0" normalizeH="0" baseline="0" noProof="0" dirty="0" smtClean="0">
                         <a:ln>
@@ -3327,16 +3641,23 @@
                     <a:p>
                       <a:pPr algn="ctr"/>
                       <a:r>
-                        <a:rPr lang="en-US" dirty="0" smtClean="0"/>
-                        <a:t>98.1</a:t>
+                        <a:rPr lang="en-US" dirty="0" smtClean="0">
+                          <a:latin typeface="Arial" panose="020B0604020202020204" pitchFamily="34" charset="0"/>
+                          <a:cs typeface="Arial" panose="020B0604020202020204" pitchFamily="34" charset="0"/>
+                        </a:rPr>
+                        <a:t>99.6</a:t>
                       </a:r>
+                      <a:endParaRPr lang="en-US" dirty="0" smtClean="0">
+                        <a:latin typeface="Arial" panose="020B0604020202020204" pitchFamily="34" charset="0"/>
+                        <a:cs typeface="Arial" panose="020B0604020202020204" pitchFamily="34" charset="0"/>
+                      </a:endParaRPr>
                     </a:p>
                   </a:txBody>
                   <a:tcPr anchor="ctr"/>
                 </a:tc>
               </a:tr>
               <a:tr h="787400">
-                <a:tc>
+                <a:tc gridSpan="2">
                   <a:txBody>
                     <a:bodyPr/>
                     <a:lstStyle/>
@@ -3359,245 +3680,41 @@
                         <a:defRPr/>
                       </a:pPr>
                       <a:r>
-                        <a:rPr lang="en-US" sz="2800" dirty="0" smtClean="0">
+                        <a:rPr lang="en-US" sz="2000" dirty="0" smtClean="0">
                           <a:latin typeface="Arial" panose="020B0604020202020204" pitchFamily="34" charset="0"/>
                           <a:cs typeface="Arial" panose="020B0604020202020204" pitchFamily="34" charset="0"/>
                         </a:rPr>
-                        <a:t>Decision Tree Classifier</a:t>
+                        <a:t>C = 1,   solver = '</a:t>
                       </a:r>
-                    </a:p>
-                  </a:txBody>
-                  <a:tcPr anchor="ctr"/>
-                </a:tc>
-                <a:tc>
-                  <a:txBody>
-                    <a:bodyPr/>
-                    <a:lstStyle/>
-                    <a:p>
-                      <a:pPr algn="ctr"/>
                       <a:r>
-                        <a:rPr lang="en-US" dirty="0" smtClean="0"/>
-                        <a:t>95.7</a:t>
-                      </a:r>
-                    </a:p>
-                  </a:txBody>
-                  <a:tcPr anchor="ctr"/>
-                </a:tc>
-              </a:tr>
-              <a:tr h="787400">
-                <a:tc>
-                  <a:txBody>
-                    <a:bodyPr/>
-                    <a:lstStyle/>
-                    <a:p>
-                      <a:pPr marL="0" marR="0" lvl="0" indent="0" algn="l" defTabSz="914400" rtl="0" eaLnBrk="1" fontAlgn="auto" latinLnBrk="0" hangingPunct="1">
-                        <a:lnSpc>
-                          <a:spcPct val="100000"/>
-                        </a:lnSpc>
-                        <a:spcBef>
-                          <a:spcPct val="20000"/>
-                        </a:spcBef>
-                        <a:spcAft>
-                          <a:spcPts val="0"/>
-                        </a:spcAft>
-                        <a:buClrTx/>
-                        <a:buSzTx/>
-                        <a:buFont typeface="Arial" panose="020B0604020202020204" pitchFamily="34" charset="0"/>
-                        <a:buNone/>
-                        <a:tabLst/>
-                        <a:defRPr/>
-                      </a:pPr>
-                      <a:r>
-                        <a:rPr kumimoji="0" lang="en-US" sz="2800" b="0" i="0" u="none" strike="noStrike" kern="1200" cap="none" spc="0" normalizeH="0" baseline="0" noProof="0" dirty="0" err="1" smtClean="0">
-                          <a:ln>
-                            <a:noFill/>
-                          </a:ln>
-                          <a:solidFill>
-                            <a:prstClr val="black"/>
-                          </a:solidFill>
-                          <a:effectLst/>
-                          <a:uLnTx/>
-                          <a:uFillTx/>
+                        <a:rPr lang="en-US" sz="2000" dirty="0" err="1" smtClean="0">
                           <a:latin typeface="Arial" panose="020B0604020202020204" pitchFamily="34" charset="0"/>
-                          <a:ea typeface="+mn-ea"/>
                           <a:cs typeface="Arial" panose="020B0604020202020204" pitchFamily="34" charset="0"/>
                         </a:rPr>
-                        <a:t>RandomForestClassifier</a:t>
+                        <a:t>liblinear</a:t>
                       </a:r>
-                      <a:endParaRPr kumimoji="0" lang="en-US" sz="2800" b="0" i="0" u="none" strike="noStrike" kern="1200" cap="none" spc="0" normalizeH="0" baseline="0" noProof="0" dirty="0" smtClean="0">
-                        <a:ln>
-                          <a:noFill/>
-                        </a:ln>
-                        <a:solidFill>
-                          <a:prstClr val="black"/>
-                        </a:solidFill>
-                        <a:effectLst/>
-                        <a:uLnTx/>
-                        <a:uFillTx/>
+                      <a:r>
+                        <a:rPr lang="en-US" sz="2000" dirty="0" smtClean="0">
+                          <a:latin typeface="Arial" panose="020B0604020202020204" pitchFamily="34" charset="0"/>
+                          <a:cs typeface="Arial" panose="020B0604020202020204" pitchFamily="34" charset="0"/>
+                        </a:rPr>
+                        <a:t>'</a:t>
+                      </a:r>
+                      <a:endParaRPr lang="en-US" sz="2000" dirty="0" smtClean="0">
                         <a:latin typeface="Arial" panose="020B0604020202020204" pitchFamily="34" charset="0"/>
-                        <a:ea typeface="+mn-ea"/>
                         <a:cs typeface="Arial" panose="020B0604020202020204" pitchFamily="34" charset="0"/>
                       </a:endParaRPr>
                     </a:p>
                   </a:txBody>
                   <a:tcPr anchor="ctr"/>
                 </a:tc>
-                <a:tc>
+                <a:tc hMerge="1">
                   <a:txBody>
                     <a:bodyPr/>
                     <a:lstStyle/>
                     <a:p>
                       <a:pPr algn="ctr"/>
-                      <a:r>
-                        <a:rPr lang="en-US" dirty="0" smtClean="0"/>
-                        <a:t>97.6</a:t>
-                      </a:r>
-                    </a:p>
-                  </a:txBody>
-                  <a:tcPr anchor="ctr"/>
-                </a:tc>
-              </a:tr>
-              <a:tr h="787400">
-                <a:tc>
-                  <a:txBody>
-                    <a:bodyPr/>
-                    <a:lstStyle/>
-                    <a:p>
-                      <a:pPr marL="0" marR="0" lvl="0" indent="0" algn="l" defTabSz="914400" rtl="0" eaLnBrk="1" fontAlgn="auto" latinLnBrk="0" hangingPunct="1">
-                        <a:lnSpc>
-                          <a:spcPct val="100000"/>
-                        </a:lnSpc>
-                        <a:spcBef>
-                          <a:spcPct val="20000"/>
-                        </a:spcBef>
-                        <a:spcAft>
-                          <a:spcPts val="0"/>
-                        </a:spcAft>
-                        <a:buClrTx/>
-                        <a:buSzTx/>
-                        <a:buFont typeface="Arial" panose="020B0604020202020204" pitchFamily="34" charset="0"/>
-                        <a:buNone/>
-                        <a:tabLst/>
-                        <a:defRPr/>
-                      </a:pPr>
-                      <a:r>
-                        <a:rPr kumimoji="0" lang="en-US" sz="2800" b="0" i="0" u="none" strike="noStrike" kern="1200" cap="none" spc="0" normalizeH="0" baseline="0" noProof="0" dirty="0" err="1" smtClean="0">
-                          <a:ln>
-                            <a:noFill/>
-                          </a:ln>
-                          <a:solidFill>
-                            <a:prstClr val="black"/>
-                          </a:solidFill>
-                          <a:effectLst/>
-                          <a:uLnTx/>
-                          <a:uFillTx/>
-                          <a:latin typeface="Arial" panose="020B0604020202020204" pitchFamily="34" charset="0"/>
-                          <a:ea typeface="+mn-ea"/>
-                          <a:cs typeface="Arial" panose="020B0604020202020204" pitchFamily="34" charset="0"/>
-                        </a:rPr>
-                        <a:t>GradientBoostingClassifier</a:t>
-                      </a:r>
-                      <a:endParaRPr kumimoji="0" lang="en-US" sz="2800" b="0" i="0" u="none" strike="noStrike" kern="1200" cap="none" spc="0" normalizeH="0" baseline="0" noProof="0" dirty="0" smtClean="0">
-                        <a:ln>
-                          <a:noFill/>
-                        </a:ln>
-                        <a:solidFill>
-                          <a:prstClr val="black"/>
-                        </a:solidFill>
-                        <a:effectLst/>
-                        <a:uLnTx/>
-                        <a:uFillTx/>
-                        <a:latin typeface="Arial" panose="020B0604020202020204" pitchFamily="34" charset="0"/>
-                        <a:ea typeface="+mn-ea"/>
-                        <a:cs typeface="Arial" panose="020B0604020202020204" pitchFamily="34" charset="0"/>
-                      </a:endParaRPr>
-                    </a:p>
-                  </a:txBody>
-                  <a:tcPr anchor="ctr"/>
-                </a:tc>
-                <a:tc>
-                  <a:txBody>
-                    <a:bodyPr/>
-                    <a:lstStyle/>
-                    <a:p>
-                      <a:pPr algn="ctr"/>
-                      <a:r>
-                        <a:rPr lang="en-US" dirty="0" smtClean="0"/>
-                        <a:t>96.2</a:t>
-                      </a:r>
-                    </a:p>
-                  </a:txBody>
-                  <a:tcPr anchor="ctr"/>
-                </a:tc>
-              </a:tr>
-              <a:tr h="787400">
-                <a:tc>
-                  <a:txBody>
-                    <a:bodyPr/>
-                    <a:lstStyle/>
-                    <a:p>
-                      <a:pPr marL="0" marR="0" lvl="0" indent="0" algn="l" defTabSz="914400" rtl="0" eaLnBrk="1" fontAlgn="auto" latinLnBrk="0" hangingPunct="1">
-                        <a:lnSpc>
-                          <a:spcPct val="100000"/>
-                        </a:lnSpc>
-                        <a:spcBef>
-                          <a:spcPct val="20000"/>
-                        </a:spcBef>
-                        <a:spcAft>
-                          <a:spcPts val="0"/>
-                        </a:spcAft>
-                        <a:buClrTx/>
-                        <a:buSzTx/>
-                        <a:buFont typeface="Arial" panose="020B0604020202020204" pitchFamily="34" charset="0"/>
-                        <a:buNone/>
-                        <a:tabLst/>
-                        <a:defRPr/>
-                      </a:pPr>
-                      <a:r>
-                        <a:rPr kumimoji="0" lang="en-US" sz="2800" b="0" i="0" u="none" strike="noStrike" kern="1200" cap="none" spc="0" normalizeH="0" baseline="0" noProof="0" dirty="0" err="1" smtClean="0">
-                          <a:ln>
-                            <a:noFill/>
-                          </a:ln>
-                          <a:solidFill>
-                            <a:prstClr val="black"/>
-                          </a:solidFill>
-                          <a:effectLst/>
-                          <a:uLnTx/>
-                          <a:uFillTx/>
-                          <a:latin typeface="Arial" panose="020B0604020202020204" pitchFamily="34" charset="0"/>
-                          <a:ea typeface="+mn-ea"/>
-                          <a:cs typeface="Arial" panose="020B0604020202020204" pitchFamily="34" charset="0"/>
-                        </a:rPr>
-                        <a:t>GaussianNB</a:t>
-                      </a:r>
-                      <a:endParaRPr kumimoji="0" lang="en-US" sz="2800" b="0" i="0" u="none" strike="noStrike" kern="1200" cap="none" spc="0" normalizeH="0" baseline="0" noProof="0" dirty="0" smtClean="0">
-                        <a:ln>
-                          <a:noFill/>
-                        </a:ln>
-                        <a:solidFill>
-                          <a:prstClr val="black"/>
-                        </a:solidFill>
-                        <a:effectLst/>
-                        <a:uLnTx/>
-                        <a:uFillTx/>
-                        <a:latin typeface="Arial" panose="020B0604020202020204" pitchFamily="34" charset="0"/>
-                        <a:ea typeface="+mn-ea"/>
-                        <a:cs typeface="Arial" panose="020B0604020202020204" pitchFamily="34" charset="0"/>
-                      </a:endParaRPr>
-                    </a:p>
-                  </a:txBody>
-                  <a:tcPr anchor="ctr"/>
-                </a:tc>
-                <a:tc>
-                  <a:txBody>
-                    <a:bodyPr/>
-                    <a:lstStyle/>
-                    <a:p>
-                      <a:pPr algn="ctr"/>
-                      <a:r>
-                        <a:rPr lang="en-US" dirty="0" smtClean="0"/>
-                        <a:t>97.6</a:t>
-                      </a:r>
+                      <a:endParaRPr lang="en-US" dirty="0" smtClean="0"/>
                     </a:p>
                   </a:txBody>
                   <a:tcPr anchor="ctr"/>
@@ -3641,8 +3758,22 @@
                           <a:ea typeface="+mn-ea"/>
                           <a:cs typeface="Arial" panose="020B0604020202020204" pitchFamily="34" charset="0"/>
                         </a:rPr>
-                        <a:t>SVC</a:t>
+                        <a:t>Random Forest Classifier</a:t>
                       </a:r>
+                      <a:endParaRPr kumimoji="0" lang="en-US" sz="2800" b="0" i="0" u="none" strike="noStrike" kern="1200" cap="none" spc="0" normalizeH="0" baseline="0" noProof="0" dirty="0" smtClean="0">
+                        <a:ln>
+                          <a:noFill/>
+                        </a:ln>
+                        <a:solidFill>
+                          <a:prstClr val="black"/>
+                        </a:solidFill>
+                        <a:effectLst/>
+                        <a:uLnTx/>
+                        <a:uFillTx/>
+                        <a:latin typeface="Arial" panose="020B0604020202020204" pitchFamily="34" charset="0"/>
+                        <a:ea typeface="+mn-ea"/>
+                        <a:cs typeface="Arial" panose="020B0604020202020204" pitchFamily="34" charset="0"/>
+                      </a:endParaRPr>
                     </a:p>
                   </a:txBody>
                   <a:tcPr anchor="ctr"/>
@@ -3654,9 +3785,343 @@
                     <a:p>
                       <a:pPr algn="ctr"/>
                       <a:r>
-                        <a:rPr lang="en-US" dirty="0" smtClean="0"/>
-                        <a:t>97.1</a:t>
+                        <a:rPr lang="en-US" dirty="0" smtClean="0">
+                          <a:latin typeface="Arial" panose="020B0604020202020204" pitchFamily="34" charset="0"/>
+                          <a:cs typeface="Arial" panose="020B0604020202020204" pitchFamily="34" charset="0"/>
+                        </a:rPr>
+                        <a:t>99.4</a:t>
                       </a:r>
+                      <a:endParaRPr lang="en-US" dirty="0" smtClean="0">
+                        <a:latin typeface="Arial" panose="020B0604020202020204" pitchFamily="34" charset="0"/>
+                        <a:cs typeface="Arial" panose="020B0604020202020204" pitchFamily="34" charset="0"/>
+                      </a:endParaRPr>
+                    </a:p>
+                  </a:txBody>
+                  <a:tcPr anchor="ctr"/>
+                </a:tc>
+              </a:tr>
+              <a:tr h="787400">
+                <a:tc gridSpan="2">
+                  <a:txBody>
+                    <a:bodyPr/>
+                    <a:lstStyle/>
+                    <a:p>
+                      <a:pPr marL="0" marR="0" lvl="0" indent="0" algn="l" defTabSz="914400" rtl="0" eaLnBrk="1" fontAlgn="auto" latinLnBrk="0" hangingPunct="1">
+                        <a:lnSpc>
+                          <a:spcPct val="100000"/>
+                        </a:lnSpc>
+                        <a:spcBef>
+                          <a:spcPct val="20000"/>
+                        </a:spcBef>
+                        <a:spcAft>
+                          <a:spcPts val="0"/>
+                        </a:spcAft>
+                        <a:buClrTx/>
+                        <a:buSzTx/>
+                        <a:buFont typeface="Arial" panose="020B0604020202020204" pitchFamily="34" charset="0"/>
+                        <a:buNone/>
+                        <a:tabLst/>
+                        <a:defRPr/>
+                      </a:pPr>
+                      <a:r>
+                        <a:rPr lang="en-US" sz="2000" dirty="0" err="1" smtClean="0">
+                          <a:latin typeface="Arial" panose="020B0604020202020204" pitchFamily="34" charset="0"/>
+                          <a:cs typeface="Arial" panose="020B0604020202020204" pitchFamily="34" charset="0"/>
+                        </a:rPr>
+                        <a:t>max_depth</a:t>
+                      </a:r>
+                      <a:r>
+                        <a:rPr lang="en-US" sz="2000" dirty="0" smtClean="0">
+                          <a:latin typeface="Arial" panose="020B0604020202020204" pitchFamily="34" charset="0"/>
+                          <a:cs typeface="Arial" panose="020B0604020202020204" pitchFamily="34" charset="0"/>
+                        </a:rPr>
+                        <a:t> = 4, </a:t>
+                      </a:r>
+                      <a:r>
+                        <a:rPr lang="en-US" sz="2000" dirty="0" err="1" smtClean="0">
+                          <a:latin typeface="Arial" panose="020B0604020202020204" pitchFamily="34" charset="0"/>
+                          <a:cs typeface="Arial" panose="020B0604020202020204" pitchFamily="34" charset="0"/>
+                        </a:rPr>
+                        <a:t>max_features</a:t>
+                      </a:r>
+                      <a:r>
+                        <a:rPr lang="en-US" sz="2000" dirty="0" smtClean="0">
+                          <a:latin typeface="Arial" panose="020B0604020202020204" pitchFamily="34" charset="0"/>
+                          <a:cs typeface="Arial" panose="020B0604020202020204" pitchFamily="34" charset="0"/>
+                        </a:rPr>
+                        <a:t> = '</a:t>
+                      </a:r>
+                      <a:r>
+                        <a:rPr lang="en-US" sz="2000" dirty="0" err="1" smtClean="0">
+                          <a:latin typeface="Arial" panose="020B0604020202020204" pitchFamily="34" charset="0"/>
+                          <a:cs typeface="Arial" panose="020B0604020202020204" pitchFamily="34" charset="0"/>
+                        </a:rPr>
+                        <a:t>sqrt</a:t>
+                      </a:r>
+                      <a:r>
+                        <a:rPr lang="en-US" sz="2000" dirty="0" smtClean="0">
+                          <a:latin typeface="Arial" panose="020B0604020202020204" pitchFamily="34" charset="0"/>
+                          <a:cs typeface="Arial" panose="020B0604020202020204" pitchFamily="34" charset="0"/>
+                        </a:rPr>
+                        <a:t>', </a:t>
+                      </a:r>
+                      <a:r>
+                        <a:rPr lang="en-US" sz="2000" dirty="0" err="1" smtClean="0">
+                          <a:latin typeface="Arial" panose="020B0604020202020204" pitchFamily="34" charset="0"/>
+                          <a:cs typeface="Arial" panose="020B0604020202020204" pitchFamily="34" charset="0"/>
+                        </a:rPr>
+                        <a:t>n_estimators</a:t>
+                      </a:r>
+                      <a:r>
+                        <a:rPr lang="en-US" sz="2000" dirty="0" smtClean="0">
+                          <a:latin typeface="Arial" panose="020B0604020202020204" pitchFamily="34" charset="0"/>
+                          <a:cs typeface="Arial" panose="020B0604020202020204" pitchFamily="34" charset="0"/>
+                        </a:rPr>
+                        <a:t> = 17</a:t>
+                      </a:r>
+                      <a:endParaRPr kumimoji="0" lang="en-US" sz="2000" b="0" i="0" u="none" strike="noStrike" kern="1200" cap="none" spc="0" normalizeH="0" baseline="0" noProof="0" dirty="0" smtClean="0">
+                        <a:ln>
+                          <a:noFill/>
+                        </a:ln>
+                        <a:solidFill>
+                          <a:prstClr val="black"/>
+                        </a:solidFill>
+                        <a:effectLst/>
+                        <a:uLnTx/>
+                        <a:uFillTx/>
+                        <a:latin typeface="Arial" panose="020B0604020202020204" pitchFamily="34" charset="0"/>
+                        <a:ea typeface="+mn-ea"/>
+                        <a:cs typeface="Arial" panose="020B0604020202020204" pitchFamily="34" charset="0"/>
+                      </a:endParaRPr>
+                    </a:p>
+                  </a:txBody>
+                  <a:tcPr anchor="ctr"/>
+                </a:tc>
+                <a:tc hMerge="1">
+                  <a:txBody>
+                    <a:bodyPr/>
+                    <a:lstStyle/>
+                    <a:p>
+                      <a:pPr algn="ctr"/>
+                      <a:endParaRPr lang="en-US" dirty="0" smtClean="0"/>
+                    </a:p>
+                  </a:txBody>
+                  <a:tcPr anchor="ctr"/>
+                </a:tc>
+              </a:tr>
+              <a:tr h="787400">
+                <a:tc>
+                  <a:txBody>
+                    <a:bodyPr/>
+                    <a:lstStyle/>
+                    <a:p>
+                      <a:pPr marL="0" marR="0" lvl="0" indent="0" algn="l" defTabSz="914400" rtl="0" eaLnBrk="1" fontAlgn="auto" latinLnBrk="0" hangingPunct="1">
+                        <a:lnSpc>
+                          <a:spcPct val="100000"/>
+                        </a:lnSpc>
+                        <a:spcBef>
+                          <a:spcPct val="20000"/>
+                        </a:spcBef>
+                        <a:spcAft>
+                          <a:spcPts val="0"/>
+                        </a:spcAft>
+                        <a:buClrTx/>
+                        <a:buSzTx/>
+                        <a:buFont typeface="Arial" panose="020B0604020202020204" pitchFamily="34" charset="0"/>
+                        <a:buNone/>
+                        <a:tabLst/>
+                        <a:defRPr/>
+                      </a:pPr>
+                      <a:r>
+                        <a:rPr kumimoji="0" lang="en-US" sz="2800" b="0" i="0" u="none" strike="noStrike" kern="1200" cap="none" spc="0" normalizeH="0" baseline="0" noProof="0" dirty="0" smtClean="0">
+                          <a:ln>
+                            <a:noFill/>
+                          </a:ln>
+                          <a:solidFill>
+                            <a:prstClr val="black"/>
+                          </a:solidFill>
+                          <a:effectLst/>
+                          <a:uLnTx/>
+                          <a:uFillTx/>
+                          <a:latin typeface="Arial" panose="020B0604020202020204" pitchFamily="34" charset="0"/>
+                          <a:ea typeface="+mn-ea"/>
+                          <a:cs typeface="Arial" panose="020B0604020202020204" pitchFamily="34" charset="0"/>
+                        </a:rPr>
+                        <a:t>KNeighbors Classifier</a:t>
+                      </a:r>
+                      <a:endParaRPr kumimoji="0" lang="en-US" sz="2800" b="0" i="0" u="none" strike="noStrike" kern="1200" cap="none" spc="0" normalizeH="0" baseline="0" noProof="0" dirty="0" smtClean="0">
+                        <a:ln>
+                          <a:noFill/>
+                        </a:ln>
+                        <a:solidFill>
+                          <a:prstClr val="black"/>
+                        </a:solidFill>
+                        <a:effectLst/>
+                        <a:uLnTx/>
+                        <a:uFillTx/>
+                        <a:latin typeface="Arial" panose="020B0604020202020204" pitchFamily="34" charset="0"/>
+                        <a:ea typeface="+mn-ea"/>
+                        <a:cs typeface="Arial" panose="020B0604020202020204" pitchFamily="34" charset="0"/>
+                      </a:endParaRPr>
+                    </a:p>
+                  </a:txBody>
+                  <a:tcPr anchor="ctr"/>
+                </a:tc>
+                <a:tc>
+                  <a:txBody>
+                    <a:bodyPr/>
+                    <a:lstStyle/>
+                    <a:p>
+                      <a:pPr algn="ctr"/>
+                      <a:r>
+                        <a:rPr lang="en-US" dirty="0" smtClean="0">
+                          <a:latin typeface="Arial" panose="020B0604020202020204" pitchFamily="34" charset="0"/>
+                          <a:cs typeface="Arial" panose="020B0604020202020204" pitchFamily="34" charset="0"/>
+                        </a:rPr>
+                        <a:t>99.3</a:t>
+                      </a:r>
+                      <a:endParaRPr lang="en-US" dirty="0" smtClean="0">
+                        <a:latin typeface="Arial" panose="020B0604020202020204" pitchFamily="34" charset="0"/>
+                        <a:cs typeface="Arial" panose="020B0604020202020204" pitchFamily="34" charset="0"/>
+                      </a:endParaRPr>
+                    </a:p>
+                  </a:txBody>
+                  <a:tcPr anchor="ctr"/>
+                </a:tc>
+              </a:tr>
+              <a:tr h="787400">
+                <a:tc gridSpan="2">
+                  <a:txBody>
+                    <a:bodyPr/>
+                    <a:lstStyle/>
+                    <a:p>
+                      <a:pPr marL="0" marR="0" lvl="0" indent="0" algn="l" defTabSz="914400" rtl="0" eaLnBrk="1" fontAlgn="auto" latinLnBrk="0" hangingPunct="1">
+                        <a:lnSpc>
+                          <a:spcPct val="100000"/>
+                        </a:lnSpc>
+                        <a:spcBef>
+                          <a:spcPct val="20000"/>
+                        </a:spcBef>
+                        <a:spcAft>
+                          <a:spcPts val="0"/>
+                        </a:spcAft>
+                        <a:buClrTx/>
+                        <a:buSzTx/>
+                        <a:buFont typeface="Arial" panose="020B0604020202020204" pitchFamily="34" charset="0"/>
+                        <a:buNone/>
+                        <a:tabLst/>
+                        <a:defRPr/>
+                      </a:pPr>
+                      <a:r>
+                        <a:rPr kumimoji="0" lang="en-US" sz="2000" b="0" i="0" u="none" strike="noStrike" kern="1200" cap="none" spc="0" normalizeH="0" baseline="0" noProof="0" dirty="0" smtClean="0">
+                          <a:ln>
+                            <a:noFill/>
+                          </a:ln>
+                          <a:solidFill>
+                            <a:prstClr val="black"/>
+                          </a:solidFill>
+                          <a:effectLst/>
+                          <a:uLnTx/>
+                          <a:uFillTx/>
+                          <a:latin typeface="Arial" panose="020B0604020202020204" pitchFamily="34" charset="0"/>
+                          <a:ea typeface="+mn-ea"/>
+                          <a:cs typeface="Arial" panose="020B0604020202020204" pitchFamily="34" charset="0"/>
+                        </a:rPr>
+                        <a:t>Algorithm = '</a:t>
+                      </a:r>
+                      <a:r>
+                        <a:rPr kumimoji="0" lang="en-US" sz="2000" b="0" i="0" u="none" strike="noStrike" kern="1200" cap="none" spc="0" normalizeH="0" baseline="0" noProof="0" dirty="0" err="1" smtClean="0">
+                          <a:ln>
+                            <a:noFill/>
+                          </a:ln>
+                          <a:solidFill>
+                            <a:prstClr val="black"/>
+                          </a:solidFill>
+                          <a:effectLst/>
+                          <a:uLnTx/>
+                          <a:uFillTx/>
+                          <a:latin typeface="Arial" panose="020B0604020202020204" pitchFamily="34" charset="0"/>
+                          <a:ea typeface="+mn-ea"/>
+                          <a:cs typeface="Arial" panose="020B0604020202020204" pitchFamily="34" charset="0"/>
+                        </a:rPr>
+                        <a:t>ball_tree</a:t>
+                      </a:r>
+                      <a:r>
+                        <a:rPr kumimoji="0" lang="en-US" sz="2000" b="0" i="0" u="none" strike="noStrike" kern="1200" cap="none" spc="0" normalizeH="0" baseline="0" noProof="0" dirty="0" smtClean="0">
+                          <a:ln>
+                            <a:noFill/>
+                          </a:ln>
+                          <a:solidFill>
+                            <a:prstClr val="black"/>
+                          </a:solidFill>
+                          <a:effectLst/>
+                          <a:uLnTx/>
+                          <a:uFillTx/>
+                          <a:latin typeface="Arial" panose="020B0604020202020204" pitchFamily="34" charset="0"/>
+                          <a:ea typeface="+mn-ea"/>
+                          <a:cs typeface="Arial" panose="020B0604020202020204" pitchFamily="34" charset="0"/>
+                        </a:rPr>
+                        <a:t>', </a:t>
+                      </a:r>
+                      <a:r>
+                        <a:rPr kumimoji="0" lang="en-US" sz="2000" b="0" i="0" u="none" strike="noStrike" kern="1200" cap="none" spc="0" normalizeH="0" baseline="0" noProof="0" dirty="0" err="1" smtClean="0">
+                          <a:ln>
+                            <a:noFill/>
+                          </a:ln>
+                          <a:solidFill>
+                            <a:prstClr val="black"/>
+                          </a:solidFill>
+                          <a:effectLst/>
+                          <a:uLnTx/>
+                          <a:uFillTx/>
+                          <a:latin typeface="Arial" panose="020B0604020202020204" pitchFamily="34" charset="0"/>
+                          <a:ea typeface="+mn-ea"/>
+                          <a:cs typeface="Arial" panose="020B0604020202020204" pitchFamily="34" charset="0"/>
+                        </a:rPr>
+                        <a:t>n_neighbors</a:t>
+                      </a:r>
+                      <a:r>
+                        <a:rPr kumimoji="0" lang="en-US" sz="2000" b="0" i="0" u="none" strike="noStrike" kern="1200" cap="none" spc="0" normalizeH="0" baseline="0" noProof="0" dirty="0" smtClean="0">
+                          <a:ln>
+                            <a:noFill/>
+                          </a:ln>
+                          <a:solidFill>
+                            <a:prstClr val="black"/>
+                          </a:solidFill>
+                          <a:effectLst/>
+                          <a:uLnTx/>
+                          <a:uFillTx/>
+                          <a:latin typeface="Arial" panose="020B0604020202020204" pitchFamily="34" charset="0"/>
+                          <a:ea typeface="+mn-ea"/>
+                          <a:cs typeface="Arial" panose="020B0604020202020204" pitchFamily="34" charset="0"/>
+                        </a:rPr>
+                        <a:t> = 100, weights = 'distance'</a:t>
+                      </a:r>
+                      <a:endParaRPr kumimoji="0" lang="en-US" sz="2000" b="0" i="0" u="none" strike="noStrike" kern="1200" cap="none" spc="0" normalizeH="0" baseline="0" noProof="0" dirty="0" smtClean="0">
+                        <a:ln>
+                          <a:noFill/>
+                        </a:ln>
+                        <a:solidFill>
+                          <a:prstClr val="black"/>
+                        </a:solidFill>
+                        <a:effectLst/>
+                        <a:uLnTx/>
+                        <a:uFillTx/>
+                        <a:latin typeface="Arial" panose="020B0604020202020204" pitchFamily="34" charset="0"/>
+                        <a:ea typeface="+mn-ea"/>
+                        <a:cs typeface="Arial" panose="020B0604020202020204" pitchFamily="34" charset="0"/>
+                      </a:endParaRPr>
+                    </a:p>
+                  </a:txBody>
+                  <a:tcPr anchor="ctr"/>
+                </a:tc>
+                <a:tc hMerge="1">
+                  <a:txBody>
+                    <a:bodyPr/>
+                    <a:lstStyle/>
+                    <a:p>
+                      <a:pPr algn="ctr"/>
+                      <a:endParaRPr lang="en-US" dirty="0" smtClean="0"/>
                     </a:p>
                   </a:txBody>
                   <a:tcPr anchor="ctr"/>
@@ -3670,272 +4135,6 @@
     <p:extLst>
       <p:ext uri="{BB962C8B-B14F-4D97-AF65-F5344CB8AC3E}">
         <p14:creationId xmlns:p14="http://schemas.microsoft.com/office/powerpoint/2010/main" val="4205177578"/>
-      </p:ext>
-    </p:extLst>
-  </p:cSld>
-  <p:clrMapOvr>
-    <a:masterClrMapping/>
-  </p:clrMapOvr>
-</p:sld>
-</file>
-
-<file path=ppt/slides/slide11.xml><?xml version="1.0" encoding="utf-8"?>
-<p:sld xmlns:a="http://schemas.openxmlformats.org/drawingml/2006/main" xmlns:r="http://schemas.openxmlformats.org/officeDocument/2006/relationships" xmlns:p="http://schemas.openxmlformats.org/presentationml/2006/main">
-  <p:cSld>
-    <p:spTree>
-      <p:nvGrpSpPr>
-        <p:cNvPr id="1" name=""/>
-        <p:cNvGrpSpPr/>
-        <p:nvPr/>
-      </p:nvGrpSpPr>
-      <p:grpSpPr>
-        <a:xfrm>
-          <a:off x="0" y="0"/>
-          <a:ext cx="0" cy="0"/>
-          <a:chOff x="0" y="0"/>
-          <a:chExt cx="0" cy="0"/>
-        </a:xfrm>
-      </p:grpSpPr>
-      <p:sp>
-        <p:nvSpPr>
-          <p:cNvPr id="2" name="Title 1"/>
-          <p:cNvSpPr>
-            <a:spLocks noGrp="1"/>
-          </p:cNvSpPr>
-          <p:nvPr>
-            <p:ph type="title"/>
-          </p:nvPr>
-        </p:nvSpPr>
-        <p:spPr/>
-        <p:txBody>
-          <a:bodyPr>
-            <a:normAutofit fontScale="90000"/>
-          </a:bodyPr>
-          <a:lstStyle/>
-          <a:p>
-            <a:r>
-              <a:rPr lang="en-US" dirty="0" err="1" smtClean="0">
-                <a:latin typeface="Arial" panose="020B0604020202020204" pitchFamily="34" charset="0"/>
-                <a:cs typeface="Arial" panose="020B0604020202020204" pitchFamily="34" charset="0"/>
-              </a:rPr>
-              <a:t>Hyperparameter</a:t>
-            </a:r>
-            <a:r>
-              <a:rPr lang="en-US" dirty="0" smtClean="0">
-                <a:latin typeface="Arial" panose="020B0604020202020204" pitchFamily="34" charset="0"/>
-                <a:cs typeface="Arial" panose="020B0604020202020204" pitchFamily="34" charset="0"/>
-              </a:rPr>
-              <a:t> Tuning &amp; ROC_AUC / ROC Curve </a:t>
-            </a:r>
-            <a:endParaRPr lang="en-US" dirty="0">
-              <a:latin typeface="Arial" panose="020B0604020202020204" pitchFamily="34" charset="0"/>
-              <a:cs typeface="Arial" panose="020B0604020202020204" pitchFamily="34" charset="0"/>
-            </a:endParaRPr>
-          </a:p>
-        </p:txBody>
-      </p:sp>
-      <p:sp>
-        <p:nvSpPr>
-          <p:cNvPr id="3" name="Content Placeholder 2"/>
-          <p:cNvSpPr>
-            <a:spLocks noGrp="1"/>
-          </p:cNvSpPr>
-          <p:nvPr>
-            <p:ph sz="half" idx="1"/>
-          </p:nvPr>
-        </p:nvSpPr>
-        <p:spPr>
-          <a:xfrm>
-            <a:off x="457200" y="2133600"/>
-            <a:ext cx="8305800" cy="4419600"/>
-          </a:xfrm>
-        </p:spPr>
-        <p:txBody>
-          <a:bodyPr>
-            <a:normAutofit/>
-          </a:bodyPr>
-          <a:lstStyle/>
-          <a:p>
-            <a:pPr marL="0" indent="0" algn="ctr">
-              <a:buNone/>
-            </a:pPr>
-            <a:r>
-              <a:rPr lang="en-US" dirty="0" err="1" smtClean="0"/>
-              <a:t>KNeighbors</a:t>
-            </a:r>
-            <a:r>
-              <a:rPr lang="en-US" dirty="0" smtClean="0"/>
-              <a:t> Model </a:t>
-            </a:r>
-          </a:p>
-          <a:p>
-            <a:pPr marL="0" indent="0" algn="ctr">
-              <a:buNone/>
-            </a:pPr>
-            <a:r>
-              <a:rPr lang="en-US" dirty="0" smtClean="0"/>
-              <a:t>Best Estimators:  </a:t>
-            </a:r>
-          </a:p>
-          <a:p>
-            <a:pPr marL="0" indent="0" algn="ctr">
-              <a:buNone/>
-            </a:pPr>
-            <a:r>
-              <a:rPr lang="en-US" dirty="0" smtClean="0"/>
-              <a:t>  </a:t>
-            </a:r>
-            <a:r>
-              <a:rPr lang="en-US" dirty="0" err="1" smtClean="0"/>
-              <a:t>n_neighbors</a:t>
-            </a:r>
-            <a:r>
-              <a:rPr lang="en-US" dirty="0" smtClean="0"/>
-              <a:t> = 150</a:t>
-            </a:r>
-          </a:p>
-          <a:p>
-            <a:pPr marL="0" indent="0" algn="ctr">
-              <a:buNone/>
-            </a:pPr>
-            <a:r>
-              <a:rPr lang="en-US" dirty="0"/>
-              <a:t> </a:t>
-            </a:r>
-            <a:r>
-              <a:rPr lang="en-US" dirty="0" smtClean="0"/>
-              <a:t> weights = 'distance</a:t>
-            </a:r>
-            <a:r>
-              <a:rPr lang="en-US" dirty="0"/>
-              <a:t>' </a:t>
-            </a:r>
-            <a:endParaRPr lang="en-US" dirty="0" smtClean="0"/>
-          </a:p>
-          <a:p>
-            <a:pPr marL="0" indent="0" algn="ctr">
-              <a:buNone/>
-            </a:pPr>
-            <a:endParaRPr lang="en-US" dirty="0" smtClean="0"/>
-          </a:p>
-          <a:p>
-            <a:pPr marL="0" indent="0" algn="ctr">
-              <a:buNone/>
-            </a:pPr>
-            <a:r>
-              <a:rPr lang="en-US" dirty="0" smtClean="0"/>
-              <a:t> Best Score:  	 98.7</a:t>
-            </a:r>
-            <a:r>
-              <a:rPr lang="en-US" dirty="0"/>
-              <a:t>   </a:t>
-            </a:r>
-            <a:endParaRPr lang="en-US" dirty="0" smtClean="0"/>
-          </a:p>
-          <a:p>
-            <a:pPr marL="0" indent="0" algn="ctr">
-              <a:buNone/>
-            </a:pPr>
-            <a:r>
-              <a:rPr lang="en-US" dirty="0" smtClean="0"/>
-              <a:t>Accuracy Score:  	94.3</a:t>
-            </a:r>
-          </a:p>
-          <a:p>
-            <a:pPr marL="0" indent="0" algn="ctr">
-              <a:buNone/>
-            </a:pPr>
-            <a:r>
-              <a:rPr lang="en-US" dirty="0" smtClean="0"/>
-              <a:t>CV </a:t>
-            </a:r>
-            <a:r>
-              <a:rPr lang="en-US" dirty="0"/>
-              <a:t>Score:  </a:t>
-            </a:r>
-            <a:r>
-              <a:rPr lang="en-US" dirty="0" smtClean="0"/>
-              <a:t>		99.0</a:t>
-            </a:r>
-          </a:p>
-          <a:p>
-            <a:pPr marL="0" indent="0" algn="ctr">
-              <a:buNone/>
-            </a:pPr>
-            <a:endParaRPr lang="en-US" dirty="0" smtClean="0"/>
-          </a:p>
-          <a:p>
-            <a:pPr marL="0" indent="0" algn="ctr">
-              <a:buNone/>
-            </a:pPr>
-            <a:endParaRPr lang="en-US" dirty="0"/>
-          </a:p>
-        </p:txBody>
-      </p:sp>
-    </p:spTree>
-    <p:extLst>
-      <p:ext uri="{BB962C8B-B14F-4D97-AF65-F5344CB8AC3E}">
-        <p14:creationId xmlns:p14="http://schemas.microsoft.com/office/powerpoint/2010/main" val="3774938781"/>
-      </p:ext>
-    </p:extLst>
-  </p:cSld>
-  <p:clrMapOvr>
-    <a:masterClrMapping/>
-  </p:clrMapOvr>
-</p:sld>
-</file>
-
-<file path=ppt/slides/slide12.xml><?xml version="1.0" encoding="utf-8"?>
-<p:sld xmlns:a="http://schemas.openxmlformats.org/drawingml/2006/main" xmlns:r="http://schemas.openxmlformats.org/officeDocument/2006/relationships" xmlns:p="http://schemas.openxmlformats.org/presentationml/2006/main">
-  <p:cSld>
-    <p:spTree>
-      <p:nvGrpSpPr>
-        <p:cNvPr id="1" name=""/>
-        <p:cNvGrpSpPr/>
-        <p:nvPr/>
-      </p:nvGrpSpPr>
-      <p:grpSpPr>
-        <a:xfrm>
-          <a:off x="0" y="0"/>
-          <a:ext cx="0" cy="0"/>
-          <a:chOff x="0" y="0"/>
-          <a:chExt cx="0" cy="0"/>
-        </a:xfrm>
-      </p:grpSpPr>
-      <p:pic>
-        <p:nvPicPr>
-          <p:cNvPr id="5" name="Picture 4"/>
-          <p:cNvPicPr>
-            <a:picLocks noChangeAspect="1"/>
-          </p:cNvPicPr>
-          <p:nvPr/>
-        </p:nvPicPr>
-        <p:blipFill>
-          <a:blip r:embed="rId2">
-            <a:extLst>
-              <a:ext uri="{28A0092B-C50C-407E-A947-70E740481C1C}">
-                <a14:useLocalDpi xmlns:a14="http://schemas.microsoft.com/office/drawing/2010/main" val="0"/>
-              </a:ext>
-            </a:extLst>
-          </a:blip>
-          <a:stretch>
-            <a:fillRect/>
-          </a:stretch>
-        </p:blipFill>
-        <p:spPr>
-          <a:xfrm>
-            <a:off x="622794" y="1270270"/>
-            <a:ext cx="7898412" cy="4317460"/>
-          </a:xfrm>
-          <a:prstGeom prst="rect">
-            <a:avLst/>
-          </a:prstGeom>
-        </p:spPr>
-      </p:pic>
-    </p:spTree>
-    <p:extLst>
-      <p:ext uri="{BB962C8B-B14F-4D97-AF65-F5344CB8AC3E}">
-        <p14:creationId xmlns:p14="http://schemas.microsoft.com/office/powerpoint/2010/main" val="1718119295"/>
       </p:ext>
     </p:extLst>
   </p:cSld>
@@ -3962,13 +4161,58 @@
           <a:chExt cx="0" cy="0"/>
         </a:xfrm>
       </p:grpSpPr>
+      <p:sp>
+        <p:nvSpPr>
+          <p:cNvPr id="2" name="Title 1"/>
+          <p:cNvSpPr>
+            <a:spLocks noGrp="1"/>
+          </p:cNvSpPr>
+          <p:nvPr>
+            <p:ph type="title"/>
+          </p:nvPr>
+        </p:nvSpPr>
+        <p:spPr>
+          <a:xfrm>
+            <a:off x="457200" y="503238"/>
+            <a:ext cx="8229600" cy="715962"/>
+          </a:xfrm>
+        </p:spPr>
+        <p:txBody>
+          <a:bodyPr>
+            <a:normAutofit fontScale="90000"/>
+          </a:bodyPr>
+          <a:lstStyle/>
+          <a:p>
+            <a:r>
+              <a:rPr lang="en-US" dirty="0">
+                <a:latin typeface="Arial" panose="020B0604020202020204" pitchFamily="34" charset="0"/>
+                <a:cs typeface="Arial" panose="020B0604020202020204" pitchFamily="34" charset="0"/>
+              </a:rPr>
+              <a:t>ROC-AUC </a:t>
+            </a:r>
+            <a:r>
+              <a:rPr lang="en-US" dirty="0" smtClean="0">
+                <a:latin typeface="Arial" panose="020B0604020202020204" pitchFamily="34" charset="0"/>
+                <a:cs typeface="Arial" panose="020B0604020202020204" pitchFamily="34" charset="0"/>
+              </a:rPr>
+              <a:t>Scores/Curve</a:t>
+            </a:r>
+            <a:endParaRPr lang="en-US" dirty="0">
+              <a:latin typeface="Arial" panose="020B0604020202020204" pitchFamily="34" charset="0"/>
+              <a:cs typeface="Arial" panose="020B0604020202020204" pitchFamily="34" charset="0"/>
+            </a:endParaRPr>
+          </a:p>
+        </p:txBody>
+      </p:sp>
       <p:pic>
         <p:nvPicPr>
-          <p:cNvPr id="2" name="Picture 1"/>
+          <p:cNvPr id="5" name="Content Placeholder 4"/>
           <p:cNvPicPr>
-            <a:picLocks noChangeAspect="1"/>
+            <a:picLocks noGrp="1" noChangeAspect="1"/>
           </p:cNvPicPr>
-          <p:nvPr/>
+          <p:nvPr>
+            <p:ph idx="1"/>
+          </p:nvPr>
         </p:nvPicPr>
         <p:blipFill>
           <a:blip r:embed="rId2">
@@ -3984,18 +4228,460 @@
         </p:blipFill>
         <p:spPr>
           <a:xfrm>
-            <a:off x="914400" y="1037966"/>
-            <a:ext cx="7413440" cy="4524634"/>
+            <a:off x="457200" y="1805781"/>
+            <a:ext cx="8229600" cy="4114800"/>
+          </a:xfrm>
+        </p:spPr>
+      </p:pic>
+      <p:sp>
+        <p:nvSpPr>
+          <p:cNvPr id="6" name="TextBox 5"/>
+          <p:cNvSpPr txBox="1"/>
+          <p:nvPr/>
+        </p:nvSpPr>
+        <p:spPr>
+          <a:xfrm>
+            <a:off x="457200" y="1354290"/>
+            <a:ext cx="2743200" cy="369332"/>
           </a:xfrm>
           <a:prstGeom prst="rect">
             <a:avLst/>
           </a:prstGeom>
+          <a:noFill/>
+        </p:spPr>
+        <p:txBody>
+          <a:bodyPr wrap="square" rtlCol="0">
+            <a:spAutoFit/>
+          </a:bodyPr>
+          <a:lstStyle/>
+          <a:p>
+            <a:r>
+              <a:rPr lang="en-US" dirty="0" smtClean="0">
+                <a:latin typeface="Arial" panose="020B0604020202020204" pitchFamily="34" charset="0"/>
+                <a:cs typeface="Arial" panose="020B0604020202020204" pitchFamily="34" charset="0"/>
+              </a:rPr>
+              <a:t>Logistic Regression</a:t>
+            </a:r>
+            <a:endParaRPr lang="en-US" dirty="0">
+              <a:latin typeface="Arial" panose="020B0604020202020204" pitchFamily="34" charset="0"/>
+              <a:cs typeface="Arial" panose="020B0604020202020204" pitchFamily="34" charset="0"/>
+            </a:endParaRPr>
+          </a:p>
+        </p:txBody>
+      </p:sp>
+    </p:spTree>
+    <p:extLst>
+      <p:ext uri="{BB962C8B-B14F-4D97-AF65-F5344CB8AC3E}">
+        <p14:creationId xmlns:p14="http://schemas.microsoft.com/office/powerpoint/2010/main" val="3315228857"/>
+      </p:ext>
+    </p:extLst>
+  </p:cSld>
+  <p:clrMapOvr>
+    <a:masterClrMapping/>
+  </p:clrMapOvr>
+</p:sld>
+</file>
+
+<file path=ppt/slides/slide14.xml><?xml version="1.0" encoding="utf-8"?>
+<p:sld xmlns:a="http://schemas.openxmlformats.org/drawingml/2006/main" xmlns:r="http://schemas.openxmlformats.org/officeDocument/2006/relationships" xmlns:p="http://schemas.openxmlformats.org/presentationml/2006/main">
+  <p:cSld>
+    <p:spTree>
+      <p:nvGrpSpPr>
+        <p:cNvPr id="1" name=""/>
+        <p:cNvGrpSpPr/>
+        <p:nvPr/>
+      </p:nvGrpSpPr>
+      <p:grpSpPr>
+        <a:xfrm>
+          <a:off x="0" y="0"/>
+          <a:ext cx="0" cy="0"/>
+          <a:chOff x="0" y="0"/>
+          <a:chExt cx="0" cy="0"/>
+        </a:xfrm>
+      </p:grpSpPr>
+      <p:sp>
+        <p:nvSpPr>
+          <p:cNvPr id="6" name="TextBox 5"/>
+          <p:cNvSpPr txBox="1"/>
+          <p:nvPr/>
+        </p:nvSpPr>
+        <p:spPr>
+          <a:xfrm>
+            <a:off x="457200" y="381000"/>
+            <a:ext cx="3886200" cy="369332"/>
+          </a:xfrm>
+          <a:prstGeom prst="rect">
+            <a:avLst/>
+          </a:prstGeom>
+          <a:noFill/>
+        </p:spPr>
+        <p:txBody>
+          <a:bodyPr wrap="square" rtlCol="0">
+            <a:spAutoFit/>
+          </a:bodyPr>
+          <a:lstStyle/>
+          <a:p>
+            <a:r>
+              <a:rPr lang="en-US" dirty="0">
+                <a:latin typeface="Arial" panose="020B0604020202020204" pitchFamily="34" charset="0"/>
+                <a:cs typeface="Arial" panose="020B0604020202020204" pitchFamily="34" charset="0"/>
+              </a:rPr>
+              <a:t>Random Forest Classifier</a:t>
+            </a:r>
+          </a:p>
+        </p:txBody>
+      </p:sp>
+      <p:pic>
+        <p:nvPicPr>
+          <p:cNvPr id="7" name="Content Placeholder 6"/>
+          <p:cNvPicPr>
+            <a:picLocks noGrp="1" noChangeAspect="1"/>
+          </p:cNvPicPr>
+          <p:nvPr>
+            <p:ph idx="1"/>
+          </p:nvPr>
+        </p:nvPicPr>
+        <p:blipFill>
+          <a:blip r:embed="rId2">
+            <a:extLst>
+              <a:ext uri="{28A0092B-C50C-407E-A947-70E740481C1C}">
+                <a14:useLocalDpi xmlns:a14="http://schemas.microsoft.com/office/drawing/2010/main" val="0"/>
+              </a:ext>
+            </a:extLst>
+          </a:blip>
+          <a:stretch>
+            <a:fillRect/>
+          </a:stretch>
+        </p:blipFill>
+        <p:spPr>
+          <a:xfrm>
+            <a:off x="457200" y="1805781"/>
+            <a:ext cx="8229600" cy="4114800"/>
+          </a:xfrm>
         </p:spPr>
       </p:pic>
     </p:spTree>
     <p:extLst>
       <p:ext uri="{BB962C8B-B14F-4D97-AF65-F5344CB8AC3E}">
-        <p14:creationId xmlns:p14="http://schemas.microsoft.com/office/powerpoint/2010/main" val="4000516105"/>
+        <p14:creationId xmlns:p14="http://schemas.microsoft.com/office/powerpoint/2010/main" val="744047391"/>
+      </p:ext>
+    </p:extLst>
+  </p:cSld>
+  <p:clrMapOvr>
+    <a:masterClrMapping/>
+  </p:clrMapOvr>
+</p:sld>
+</file>
+
+<file path=ppt/slides/slide15.xml><?xml version="1.0" encoding="utf-8"?>
+<p:sld xmlns:a="http://schemas.openxmlformats.org/drawingml/2006/main" xmlns:r="http://schemas.openxmlformats.org/officeDocument/2006/relationships" xmlns:p="http://schemas.openxmlformats.org/presentationml/2006/main">
+  <p:cSld>
+    <p:spTree>
+      <p:nvGrpSpPr>
+        <p:cNvPr id="1" name=""/>
+        <p:cNvGrpSpPr/>
+        <p:nvPr/>
+      </p:nvGrpSpPr>
+      <p:grpSpPr>
+        <a:xfrm>
+          <a:off x="0" y="0"/>
+          <a:ext cx="0" cy="0"/>
+          <a:chOff x="0" y="0"/>
+          <a:chExt cx="0" cy="0"/>
+        </a:xfrm>
+      </p:grpSpPr>
+      <p:sp>
+        <p:nvSpPr>
+          <p:cNvPr id="6" name="TextBox 5"/>
+          <p:cNvSpPr txBox="1"/>
+          <p:nvPr/>
+        </p:nvSpPr>
+        <p:spPr>
+          <a:xfrm>
+            <a:off x="457200" y="381000"/>
+            <a:ext cx="3886200" cy="369332"/>
+          </a:xfrm>
+          <a:prstGeom prst="rect">
+            <a:avLst/>
+          </a:prstGeom>
+          <a:noFill/>
+        </p:spPr>
+        <p:txBody>
+          <a:bodyPr wrap="square" rtlCol="0">
+            <a:spAutoFit/>
+          </a:bodyPr>
+          <a:lstStyle/>
+          <a:p>
+            <a:r>
+              <a:rPr lang="en-US" dirty="0">
+                <a:latin typeface="Arial" panose="020B0604020202020204" pitchFamily="34" charset="0"/>
+                <a:cs typeface="Arial" panose="020B0604020202020204" pitchFamily="34" charset="0"/>
+              </a:rPr>
+              <a:t>KNeighbors </a:t>
+            </a:r>
+            <a:r>
+              <a:rPr lang="en-US" dirty="0" smtClean="0">
+                <a:latin typeface="Arial" panose="020B0604020202020204" pitchFamily="34" charset="0"/>
+                <a:cs typeface="Arial" panose="020B0604020202020204" pitchFamily="34" charset="0"/>
+              </a:rPr>
+              <a:t>Classifier</a:t>
+            </a:r>
+            <a:endParaRPr lang="en-US" dirty="0">
+              <a:latin typeface="Arial" panose="020B0604020202020204" pitchFamily="34" charset="0"/>
+              <a:cs typeface="Arial" panose="020B0604020202020204" pitchFamily="34" charset="0"/>
+            </a:endParaRPr>
+          </a:p>
+        </p:txBody>
+      </p:sp>
+      <p:pic>
+        <p:nvPicPr>
+          <p:cNvPr id="3" name="Content Placeholder 2"/>
+          <p:cNvPicPr>
+            <a:picLocks noGrp="1" noChangeAspect="1"/>
+          </p:cNvPicPr>
+          <p:nvPr>
+            <p:ph idx="1"/>
+          </p:nvPr>
+        </p:nvPicPr>
+        <p:blipFill>
+          <a:blip r:embed="rId2">
+            <a:extLst>
+              <a:ext uri="{28A0092B-C50C-407E-A947-70E740481C1C}">
+                <a14:useLocalDpi xmlns:a14="http://schemas.microsoft.com/office/drawing/2010/main" val="0"/>
+              </a:ext>
+            </a:extLst>
+          </a:blip>
+          <a:stretch>
+            <a:fillRect/>
+          </a:stretch>
+        </p:blipFill>
+        <p:spPr>
+          <a:xfrm>
+            <a:off x="457200" y="1805781"/>
+            <a:ext cx="8229600" cy="4114800"/>
+          </a:xfrm>
+        </p:spPr>
+      </p:pic>
+    </p:spTree>
+    <p:extLst>
+      <p:ext uri="{BB962C8B-B14F-4D97-AF65-F5344CB8AC3E}">
+        <p14:creationId xmlns:p14="http://schemas.microsoft.com/office/powerpoint/2010/main" val="1459733350"/>
+      </p:ext>
+    </p:extLst>
+  </p:cSld>
+  <p:clrMapOvr>
+    <a:masterClrMapping/>
+  </p:clrMapOvr>
+</p:sld>
+</file>
+
+<file path=ppt/slides/slide16.xml><?xml version="1.0" encoding="utf-8"?>
+<p:sld xmlns:a="http://schemas.openxmlformats.org/drawingml/2006/main" xmlns:r="http://schemas.openxmlformats.org/officeDocument/2006/relationships" xmlns:p="http://schemas.openxmlformats.org/presentationml/2006/main">
+  <p:cSld>
+    <p:spTree>
+      <p:nvGrpSpPr>
+        <p:cNvPr id="1" name=""/>
+        <p:cNvGrpSpPr/>
+        <p:nvPr/>
+      </p:nvGrpSpPr>
+      <p:grpSpPr>
+        <a:xfrm>
+          <a:off x="0" y="0"/>
+          <a:ext cx="0" cy="0"/>
+          <a:chOff x="0" y="0"/>
+          <a:chExt cx="0" cy="0"/>
+        </a:xfrm>
+      </p:grpSpPr>
+      <p:sp>
+        <p:nvSpPr>
+          <p:cNvPr id="2" name="Title 1"/>
+          <p:cNvSpPr>
+            <a:spLocks noGrp="1"/>
+          </p:cNvSpPr>
+          <p:nvPr>
+            <p:ph type="title"/>
+          </p:nvPr>
+        </p:nvSpPr>
+        <p:spPr>
+          <a:xfrm>
+            <a:off x="457200" y="0"/>
+            <a:ext cx="8229600" cy="1143000"/>
+          </a:xfrm>
+        </p:spPr>
+        <p:txBody>
+          <a:bodyPr>
+            <a:normAutofit/>
+          </a:bodyPr>
+          <a:lstStyle/>
+          <a:p>
+            <a:r>
+              <a:rPr lang="en-US" sz="3200" dirty="0">
+                <a:latin typeface="Arial" panose="020B0604020202020204" pitchFamily="34" charset="0"/>
+                <a:cs typeface="Arial" panose="020B0604020202020204" pitchFamily="34" charset="0"/>
+              </a:rPr>
+              <a:t>Classification Reports</a:t>
+            </a:r>
+          </a:p>
+        </p:txBody>
+      </p:sp>
+      <p:pic>
+        <p:nvPicPr>
+          <p:cNvPr id="1027" name="Picture 3"/>
+          <p:cNvPicPr>
+            <a:picLocks noGrp="1" noChangeAspect="1" noChangeArrowheads="1"/>
+          </p:cNvPicPr>
+          <p:nvPr>
+            <p:ph idx="1"/>
+          </p:nvPr>
+        </p:nvPicPr>
+        <p:blipFill>
+          <a:blip r:embed="rId2" cstate="print">
+            <a:extLst>
+              <a:ext uri="{28A0092B-C50C-407E-A947-70E740481C1C}">
+                <a14:useLocalDpi xmlns:a14="http://schemas.microsoft.com/office/drawing/2010/main" val="0"/>
+              </a:ext>
+            </a:extLst>
+          </a:blip>
+          <a:srcRect/>
+          <a:stretch>
+            <a:fillRect/>
+          </a:stretch>
+        </p:blipFill>
+        <p:spPr bwMode="auto">
+          <a:xfrm>
+            <a:off x="2362200" y="1143000"/>
+            <a:ext cx="6620183" cy="5181600"/>
+          </a:xfrm>
+          <a:prstGeom prst="rect">
+            <a:avLst/>
+          </a:prstGeom>
+          <a:noFill/>
+          <a:ln>
+            <a:noFill/>
+          </a:ln>
+          <a:effectLst/>
+          <a:extLst>
+            <a:ext uri="{909E8E84-426E-40DD-AFC4-6F175D3DCCD1}">
+              <a14:hiddenFill xmlns:a14="http://schemas.microsoft.com/office/drawing/2010/main">
+                <a:solidFill>
+                  <a:schemeClr val="accent1"/>
+                </a:solidFill>
+              </a14:hiddenFill>
+            </a:ext>
+            <a:ext uri="{91240B29-F687-4F45-9708-019B960494DF}">
+              <a14:hiddenLine xmlns:a14="http://schemas.microsoft.com/office/drawing/2010/main" w="9525">
+                <a:solidFill>
+                  <a:schemeClr val="tx1"/>
+                </a:solidFill>
+                <a:miter lim="800000"/>
+                <a:headEnd/>
+                <a:tailEnd/>
+              </a14:hiddenLine>
+            </a:ext>
+            <a:ext uri="{AF507438-7753-43E0-B8FC-AC1667EBCBE1}">
+              <a14:hiddenEffects xmlns:a14="http://schemas.microsoft.com/office/drawing/2010/main">
+                <a:effectLst>
+                  <a:outerShdw dist="35921" dir="2700000" algn="ctr" rotWithShape="0">
+                    <a:schemeClr val="bg2"/>
+                  </a:outerShdw>
+                </a:effectLst>
+              </a14:hiddenEffects>
+            </a:ext>
+          </a:extLst>
+        </p:spPr>
+      </p:pic>
+    </p:spTree>
+    <p:extLst>
+      <p:ext uri="{BB962C8B-B14F-4D97-AF65-F5344CB8AC3E}">
+        <p14:creationId xmlns:p14="http://schemas.microsoft.com/office/powerpoint/2010/main" val="2651308580"/>
+      </p:ext>
+    </p:extLst>
+  </p:cSld>
+  <p:clrMapOvr>
+    <a:masterClrMapping/>
+  </p:clrMapOvr>
+</p:sld>
+</file>
+
+<file path=ppt/slides/slide17.xml><?xml version="1.0" encoding="utf-8"?>
+<p:sld xmlns:a="http://schemas.openxmlformats.org/drawingml/2006/main" xmlns:r="http://schemas.openxmlformats.org/officeDocument/2006/relationships" xmlns:p="http://schemas.openxmlformats.org/presentationml/2006/main">
+  <p:cSld>
+    <p:spTree>
+      <p:nvGrpSpPr>
+        <p:cNvPr id="1" name=""/>
+        <p:cNvGrpSpPr/>
+        <p:nvPr/>
+      </p:nvGrpSpPr>
+      <p:grpSpPr>
+        <a:xfrm>
+          <a:off x="0" y="0"/>
+          <a:ext cx="0" cy="0"/>
+          <a:chOff x="0" y="0"/>
+          <a:chExt cx="0" cy="0"/>
+        </a:xfrm>
+      </p:grpSpPr>
+      <p:sp>
+        <p:nvSpPr>
+          <p:cNvPr id="2" name="Title 1"/>
+          <p:cNvSpPr>
+            <a:spLocks noGrp="1"/>
+          </p:cNvSpPr>
+          <p:nvPr>
+            <p:ph type="title"/>
+          </p:nvPr>
+        </p:nvSpPr>
+        <p:spPr/>
+        <p:txBody>
+          <a:bodyPr>
+            <a:normAutofit/>
+          </a:bodyPr>
+          <a:lstStyle/>
+          <a:p>
+            <a:r>
+              <a:rPr lang="en-US" sz="4000" b="1" dirty="0" smtClean="0">
+                <a:latin typeface="Arial" panose="020B0604020202020204" pitchFamily="34" charset="0"/>
+                <a:cs typeface="Arial" panose="020B0604020202020204" pitchFamily="34" charset="0"/>
+              </a:rPr>
+              <a:t>Conclusion</a:t>
+            </a:r>
+            <a:endParaRPr lang="en-US" sz="4000" dirty="0">
+              <a:latin typeface="Arial" panose="020B0604020202020204" pitchFamily="34" charset="0"/>
+              <a:cs typeface="Arial" panose="020B0604020202020204" pitchFamily="34" charset="0"/>
+            </a:endParaRPr>
+          </a:p>
+        </p:txBody>
+      </p:sp>
+      <p:sp>
+        <p:nvSpPr>
+          <p:cNvPr id="3" name="Content Placeholder 2"/>
+          <p:cNvSpPr>
+            <a:spLocks noGrp="1"/>
+          </p:cNvSpPr>
+          <p:nvPr>
+            <p:ph idx="1"/>
+          </p:nvPr>
+        </p:nvSpPr>
+        <p:spPr/>
+        <p:txBody>
+          <a:bodyPr>
+            <a:normAutofit fontScale="92500" lnSpcReduction="20000"/>
+          </a:bodyPr>
+          <a:lstStyle/>
+          <a:p>
+            <a:pPr marL="0" indent="0">
+              <a:buNone/>
+            </a:pPr>
+            <a:r>
+              <a:rPr lang="en-US" dirty="0"/>
+              <a:t>There are different techniques that can be used for the prediction of breast cancer. In this paper, I’ve analyzed breast cancer data using three classification techniques to predict the type of cancer and compared the results. They indicate that Logistic Regression is the best classifier with this dataset, followed by Random Forest and KNeighbors. Further studies could be conducted to improve performance of these classification techniques by identifying more features that could be used in the analysis. </a:t>
+            </a:r>
+          </a:p>
+        </p:txBody>
+      </p:sp>
+    </p:spTree>
+    <p:extLst>
+      <p:ext uri="{BB962C8B-B14F-4D97-AF65-F5344CB8AC3E}">
+        <p14:creationId xmlns:p14="http://schemas.microsoft.com/office/powerpoint/2010/main" val="3701108844"/>
       </p:ext>
     </p:extLst>
   </p:cSld>
@@ -4585,7 +5271,7 @@
         </p:spPr>
         <p:txBody>
           <a:bodyPr>
-            <a:normAutofit fontScale="85000" lnSpcReduction="20000"/>
+            <a:normAutofit lnSpcReduction="10000"/>
           </a:bodyPr>
           <a:lstStyle/>
           <a:p>
@@ -4609,60 +5295,6 @@
               <a:latin typeface="Arial" panose="020B0604020202020204" pitchFamily="34" charset="0"/>
               <a:cs typeface="Arial" panose="020B0604020202020204" pitchFamily="34" charset="0"/>
             </a:endParaRPr>
-          </a:p>
-          <a:p>
-            <a:pPr marL="0" indent="0">
-              <a:buNone/>
-            </a:pPr>
-            <a:r>
-              <a:rPr lang="en-US" dirty="0">
-                <a:latin typeface="Arial" panose="020B0604020202020204" pitchFamily="34" charset="0"/>
-                <a:cs typeface="Arial" panose="020B0604020202020204" pitchFamily="34" charset="0"/>
-              </a:rPr>
-              <a:t>"Class" Distribution</a:t>
-            </a:r>
-            <a:r>
-              <a:rPr lang="en-US" dirty="0" smtClean="0">
-                <a:latin typeface="Arial" panose="020B0604020202020204" pitchFamily="34" charset="0"/>
-                <a:cs typeface="Arial" panose="020B0604020202020204" pitchFamily="34" charset="0"/>
-              </a:rPr>
-              <a:t>:</a:t>
-            </a:r>
-          </a:p>
-          <a:p>
-            <a:pPr marL="0" indent="0">
-              <a:buNone/>
-            </a:pPr>
-            <a:endParaRPr lang="en-US" dirty="0">
-              <a:latin typeface="Arial" panose="020B0604020202020204" pitchFamily="34" charset="0"/>
-              <a:cs typeface="Arial" panose="020B0604020202020204" pitchFamily="34" charset="0"/>
-            </a:endParaRPr>
-          </a:p>
-          <a:p>
-            <a:pPr marL="0" indent="0">
-              <a:buNone/>
-            </a:pPr>
-            <a:r>
-              <a:rPr lang="en-US" dirty="0">
-                <a:latin typeface="Arial" panose="020B0604020202020204" pitchFamily="34" charset="0"/>
-                <a:cs typeface="Arial" panose="020B0604020202020204" pitchFamily="34" charset="0"/>
-              </a:rPr>
-              <a:t>	Benign: </a:t>
-            </a:r>
-            <a:r>
-              <a:rPr lang="en-US" dirty="0" smtClean="0">
-                <a:latin typeface="Arial" panose="020B0604020202020204" pitchFamily="34" charset="0"/>
-                <a:cs typeface="Arial" panose="020B0604020202020204" pitchFamily="34" charset="0"/>
-              </a:rPr>
-              <a:t>458</a:t>
-            </a:r>
-            <a:r>
-              <a:rPr lang="en-US" dirty="0">
-                <a:latin typeface="Arial" panose="020B0604020202020204" pitchFamily="34" charset="0"/>
-                <a:cs typeface="Arial" panose="020B0604020202020204" pitchFamily="34" charset="0"/>
-              </a:rPr>
-              <a:t>	Malignant: 241</a:t>
-            </a:r>
           </a:p>
           <a:p>
             <a:endParaRPr lang="en-US" dirty="0">
@@ -4712,42 +5344,62 @@
             <p:ph type="title"/>
           </p:nvPr>
         </p:nvSpPr>
-        <p:spPr>
-          <a:xfrm>
-            <a:off x="457200" y="152400"/>
-            <a:ext cx="8229600" cy="715962"/>
-          </a:xfrm>
-        </p:spPr>
+        <p:spPr/>
         <p:txBody>
           <a:bodyPr>
             <a:normAutofit/>
           </a:bodyPr>
           <a:lstStyle/>
           <a:p>
-            <a:r>
-              <a:rPr lang="en-US" sz="2400" dirty="0">
+            <a:pPr marL="0" indent="0"/>
+            <a:r>
+              <a:rPr lang="en-US" dirty="0" smtClean="0">
                 <a:latin typeface="Arial" panose="020B0604020202020204" pitchFamily="34" charset="0"/>
                 <a:cs typeface="Arial" panose="020B0604020202020204" pitchFamily="34" charset="0"/>
               </a:rPr>
-              <a:t>The plots for the output variable vs each of the </a:t>
-            </a:r>
-            <a:r>
-              <a:rPr lang="en-US" sz="2400" dirty="0" smtClean="0">
+              <a:t>Class Distribution</a:t>
+            </a:r>
+            <a:r>
+              <a:rPr lang="en-US" dirty="0">
                 <a:latin typeface="Arial" panose="020B0604020202020204" pitchFamily="34" charset="0"/>
                 <a:cs typeface="Arial" panose="020B0604020202020204" pitchFamily="34" charset="0"/>
               </a:rPr>
-              <a:t>features</a:t>
-            </a:r>
-            <a:endParaRPr lang="en-US" sz="2400" dirty="0">
-              <a:latin typeface="Arial" panose="020B0604020202020204" pitchFamily="34" charset="0"/>
-              <a:cs typeface="Arial" panose="020B0604020202020204" pitchFamily="34" charset="0"/>
-            </a:endParaRPr>
+              <a:t/>
+            </a:r>
+            <a:br>
+              <a:rPr lang="en-US" dirty="0">
+                <a:latin typeface="Arial" panose="020B0604020202020204" pitchFamily="34" charset="0"/>
+                <a:cs typeface="Arial" panose="020B0604020202020204" pitchFamily="34" charset="0"/>
+              </a:rPr>
+            </a:br>
+            <a:r>
+              <a:rPr lang="en-US" sz="2200" dirty="0" smtClean="0">
+                <a:latin typeface="Arial" panose="020B0604020202020204" pitchFamily="34" charset="0"/>
+                <a:cs typeface="Arial" panose="020B0604020202020204" pitchFamily="34" charset="0"/>
+              </a:rPr>
+              <a:t>Benign(2): </a:t>
+            </a:r>
+            <a:r>
+              <a:rPr lang="en-US" sz="2200" dirty="0">
+                <a:latin typeface="Arial" panose="020B0604020202020204" pitchFamily="34" charset="0"/>
+                <a:cs typeface="Arial" panose="020B0604020202020204" pitchFamily="34" charset="0"/>
+              </a:rPr>
+              <a:t>458	</a:t>
+            </a:r>
+            <a:r>
+              <a:rPr lang="en-US" sz="2200" dirty="0" smtClean="0">
+                <a:latin typeface="Arial" panose="020B0604020202020204" pitchFamily="34" charset="0"/>
+                <a:cs typeface="Arial" panose="020B0604020202020204" pitchFamily="34" charset="0"/>
+              </a:rPr>
+              <a:t>Malignant(4): 241</a:t>
+            </a:r>
+            <a:endParaRPr lang="en-US" sz="2200" dirty="0"/>
           </a:p>
         </p:txBody>
       </p:sp>
       <p:pic>
         <p:nvPicPr>
-          <p:cNvPr id="5" name="Content Placeholder 4"/>
+          <p:cNvPr id="4" name="Content Placeholder 3"/>
           <p:cNvPicPr>
             <a:picLocks noGrp="1" noChangeAspect="1"/>
           </p:cNvPicPr>
@@ -4769,15 +5421,15 @@
         </p:blipFill>
         <p:spPr>
           <a:xfrm>
-            <a:off x="533400" y="838200"/>
-            <a:ext cx="8077200" cy="5861148"/>
+            <a:off x="2102159" y="2098102"/>
+            <a:ext cx="4939682" cy="3530159"/>
           </a:xfrm>
         </p:spPr>
       </p:pic>
     </p:spTree>
     <p:extLst>
       <p:ext uri="{BB962C8B-B14F-4D97-AF65-F5344CB8AC3E}">
-        <p14:creationId xmlns:p14="http://schemas.microsoft.com/office/powerpoint/2010/main" val="2153618539"/>
+        <p14:creationId xmlns:p14="http://schemas.microsoft.com/office/powerpoint/2010/main" val="4233550680"/>
       </p:ext>
     </p:extLst>
   </p:cSld>
@@ -4814,7 +5466,12 @@
             <p:ph type="title"/>
           </p:nvPr>
         </p:nvSpPr>
-        <p:spPr/>
+        <p:spPr>
+          <a:xfrm>
+            <a:off x="457200" y="152400"/>
+            <a:ext cx="8229600" cy="715962"/>
+          </a:xfrm>
+        </p:spPr>
         <p:txBody>
           <a:bodyPr>
             <a:normAutofit/>
@@ -4822,20 +5479,20 @@
           <a:lstStyle/>
           <a:p>
             <a:r>
-              <a:rPr lang="en-US" sz="3200" dirty="0">
+              <a:rPr lang="en-US" sz="2400" dirty="0">
                 <a:latin typeface="Arial" panose="020B0604020202020204" pitchFamily="34" charset="0"/>
                 <a:cs typeface="Arial" panose="020B0604020202020204" pitchFamily="34" charset="0"/>
               </a:rPr>
-              <a:t>Correlation </a:t>
-            </a:r>
-            <a:r>
-              <a:rPr lang="en-US" sz="3200" dirty="0" smtClean="0">
+              <a:t>The plots for the output variable vs each of the </a:t>
+            </a:r>
+            <a:r>
+              <a:rPr lang="en-US" sz="2400" dirty="0" smtClean="0">
                 <a:latin typeface="Arial" panose="020B0604020202020204" pitchFamily="34" charset="0"/>
                 <a:cs typeface="Arial" panose="020B0604020202020204" pitchFamily="34" charset="0"/>
               </a:rPr>
-              <a:t>Matrix</a:t>
-            </a:r>
-            <a:endParaRPr lang="en-US" sz="3200" dirty="0">
+              <a:t>features</a:t>
+            </a:r>
+            <a:endParaRPr lang="en-US" sz="2400" dirty="0">
               <a:latin typeface="Arial" panose="020B0604020202020204" pitchFamily="34" charset="0"/>
               <a:cs typeface="Arial" panose="020B0604020202020204" pitchFamily="34" charset="0"/>
             </a:endParaRPr>
@@ -4866,15 +5523,103 @@
         </p:blipFill>
         <p:spPr>
           <a:xfrm>
-            <a:off x="1717532" y="1281473"/>
-            <a:ext cx="5673868" cy="5195527"/>
+            <a:off x="152400" y="914400"/>
+            <a:ext cx="4787301" cy="3326984"/>
           </a:xfrm>
         </p:spPr>
       </p:pic>
+      <p:pic>
+        <p:nvPicPr>
+          <p:cNvPr id="6" name="Picture 5"/>
+          <p:cNvPicPr>
+            <a:picLocks noChangeAspect="1"/>
+          </p:cNvPicPr>
+          <p:nvPr/>
+        </p:nvPicPr>
+        <p:blipFill>
+          <a:blip r:embed="rId3">
+            <a:extLst>
+              <a:ext uri="{28A0092B-C50C-407E-A947-70E740481C1C}">
+                <a14:useLocalDpi xmlns:a14="http://schemas.microsoft.com/office/drawing/2010/main" val="0"/>
+              </a:ext>
+            </a:extLst>
+          </a:blip>
+          <a:stretch>
+            <a:fillRect/>
+          </a:stretch>
+        </p:blipFill>
+        <p:spPr>
+          <a:xfrm>
+            <a:off x="4191000" y="3886200"/>
+            <a:ext cx="4787301" cy="3326984"/>
+          </a:xfrm>
+          <a:prstGeom prst="rect">
+            <a:avLst/>
+          </a:prstGeom>
+        </p:spPr>
+      </p:pic>
+      <p:sp>
+        <p:nvSpPr>
+          <p:cNvPr id="7" name="TextBox 6"/>
+          <p:cNvSpPr txBox="1"/>
+          <p:nvPr/>
+        </p:nvSpPr>
+        <p:spPr>
+          <a:xfrm>
+            <a:off x="5060650" y="958334"/>
+            <a:ext cx="3048000" cy="369332"/>
+          </a:xfrm>
+          <a:prstGeom prst="rect">
+            <a:avLst/>
+          </a:prstGeom>
+          <a:noFill/>
+        </p:spPr>
+        <p:txBody>
+          <a:bodyPr wrap="square" rtlCol="0">
+            <a:spAutoFit/>
+          </a:bodyPr>
+          <a:lstStyle/>
+          <a:p>
+            <a:r>
+              <a:rPr lang="en-US" dirty="0" smtClean="0"/>
+              <a:t>Uniformity of Cell Shape</a:t>
+            </a:r>
+          </a:p>
+        </p:txBody>
+      </p:sp>
+      <p:sp>
+        <p:nvSpPr>
+          <p:cNvPr id="8" name="TextBox 7"/>
+          <p:cNvSpPr txBox="1"/>
+          <p:nvPr/>
+        </p:nvSpPr>
+        <p:spPr>
+          <a:xfrm>
+            <a:off x="2743200" y="6283287"/>
+            <a:ext cx="1524000" cy="369332"/>
+          </a:xfrm>
+          <a:prstGeom prst="rect">
+            <a:avLst/>
+          </a:prstGeom>
+          <a:noFill/>
+        </p:spPr>
+        <p:txBody>
+          <a:bodyPr wrap="square" rtlCol="0">
+            <a:spAutoFit/>
+          </a:bodyPr>
+          <a:lstStyle/>
+          <a:p>
+            <a:r>
+              <a:rPr lang="en-US" dirty="0" smtClean="0"/>
+              <a:t>Bare Nuclei</a:t>
+            </a:r>
+          </a:p>
+        </p:txBody>
+      </p:sp>
     </p:spTree>
     <p:extLst>
       <p:ext uri="{BB962C8B-B14F-4D97-AF65-F5344CB8AC3E}">
-        <p14:creationId xmlns:p14="http://schemas.microsoft.com/office/powerpoint/2010/main" val="1791557325"/>
+        <p14:creationId xmlns:p14="http://schemas.microsoft.com/office/powerpoint/2010/main" val="2153618539"/>
       </p:ext>
     </p:extLst>
   </p:cSld>
@@ -4913,148 +5658,127 @@
         </p:nvSpPr>
         <p:spPr/>
         <p:txBody>
-          <a:bodyPr/>
-          <a:lstStyle/>
-          <a:p>
-            <a:r>
-              <a:rPr lang="en-US" b="1" dirty="0">
+          <a:bodyPr>
+            <a:normAutofit/>
+          </a:bodyPr>
+          <a:lstStyle/>
+          <a:p>
+            <a:r>
+              <a:rPr lang="en-US" sz="3200" dirty="0">
                 <a:latin typeface="Arial" panose="020B0604020202020204" pitchFamily="34" charset="0"/>
                 <a:cs typeface="Arial" panose="020B0604020202020204" pitchFamily="34" charset="0"/>
               </a:rPr>
-              <a:t>Preprocessing and Modeling</a:t>
-            </a:r>
-            <a:endParaRPr lang="en-US" dirty="0">
+              <a:t>Correlation </a:t>
+            </a:r>
+            <a:r>
+              <a:rPr lang="en-US" sz="3200" dirty="0" smtClean="0">
+                <a:latin typeface="Arial" panose="020B0604020202020204" pitchFamily="34" charset="0"/>
+                <a:cs typeface="Arial" panose="020B0604020202020204" pitchFamily="34" charset="0"/>
+              </a:rPr>
+              <a:t>Matrix</a:t>
+            </a:r>
+            <a:endParaRPr lang="en-US" sz="3200" dirty="0">
               <a:latin typeface="Arial" panose="020B0604020202020204" pitchFamily="34" charset="0"/>
               <a:cs typeface="Arial" panose="020B0604020202020204" pitchFamily="34" charset="0"/>
             </a:endParaRPr>
           </a:p>
         </p:txBody>
       </p:sp>
-      <p:sp>
-        <p:nvSpPr>
-          <p:cNvPr id="3" name="Content Placeholder 2"/>
-          <p:cNvSpPr>
-            <a:spLocks noGrp="1"/>
-          </p:cNvSpPr>
+      <p:pic>
+        <p:nvPicPr>
+          <p:cNvPr id="4" name="Content Placeholder 3"/>
+          <p:cNvPicPr>
+            <a:picLocks noGrp="1" noChangeAspect="1"/>
+          </p:cNvPicPr>
           <p:nvPr>
             <p:ph idx="1"/>
           </p:nvPr>
-        </p:nvSpPr>
+        </p:nvPicPr>
+        <p:blipFill>
+          <a:blip r:embed="rId2">
+            <a:extLst>
+              <a:ext uri="{28A0092B-C50C-407E-A947-70E740481C1C}">
+                <a14:useLocalDpi xmlns:a14="http://schemas.microsoft.com/office/drawing/2010/main" val="0"/>
+              </a:ext>
+            </a:extLst>
+          </a:blip>
+          <a:stretch>
+            <a:fillRect/>
+          </a:stretch>
+        </p:blipFill>
         <p:spPr>
           <a:xfrm>
-            <a:off x="304800" y="1828800"/>
-            <a:ext cx="8382000" cy="3733800"/>
+            <a:off x="3276600" y="1644112"/>
+            <a:ext cx="5673868" cy="5195527"/>
           </a:xfrm>
         </p:spPr>
-        <p:txBody>
-          <a:bodyPr>
-            <a:normAutofit fontScale="92500" lnSpcReduction="10000"/>
+      </p:pic>
+      <p:sp>
+        <p:nvSpPr>
+          <p:cNvPr id="3" name="TextBox 2"/>
+          <p:cNvSpPr txBox="1"/>
+          <p:nvPr/>
+        </p:nvSpPr>
+        <p:spPr>
+          <a:xfrm>
+            <a:off x="381000" y="1676400"/>
+            <a:ext cx="2667000" cy="3693319"/>
+          </a:xfrm>
+          <a:prstGeom prst="rect">
+            <a:avLst/>
+          </a:prstGeom>
+          <a:noFill/>
+        </p:spPr>
+        <p:txBody>
+          <a:bodyPr wrap="square" rtlCol="0">
+            <a:spAutoFit/>
           </a:bodyPr>
           <a:lstStyle/>
           <a:p>
-            <a:pPr marL="0" indent="0">
-              <a:buNone/>
-            </a:pPr>
-            <a:r>
-              <a:rPr lang="en-US" sz="3600" dirty="0">
-                <a:latin typeface="Arial" panose="020B0604020202020204" pitchFamily="34" charset="0"/>
-                <a:cs typeface="Arial" panose="020B0604020202020204" pitchFamily="34" charset="0"/>
-              </a:rPr>
-              <a:t>The data was scaled using a Robust </a:t>
-            </a:r>
-            <a:r>
-              <a:rPr lang="en-US" sz="3600" dirty="0" smtClean="0">
-                <a:latin typeface="Arial" panose="020B0604020202020204" pitchFamily="34" charset="0"/>
-                <a:cs typeface="Arial" panose="020B0604020202020204" pitchFamily="34" charset="0"/>
-              </a:rPr>
-              <a:t>Scaler. </a:t>
-            </a:r>
-          </a:p>
-          <a:p>
-            <a:pPr marL="0" indent="0">
-              <a:buNone/>
-            </a:pPr>
-            <a:endParaRPr lang="en-US" sz="3600" dirty="0">
-              <a:latin typeface="Arial" panose="020B0604020202020204" pitchFamily="34" charset="0"/>
-              <a:cs typeface="Arial" panose="020B0604020202020204" pitchFamily="34" charset="0"/>
-            </a:endParaRPr>
-          </a:p>
-          <a:p>
-            <a:pPr marL="0" indent="0">
-              <a:buNone/>
-            </a:pPr>
-            <a:r>
-              <a:rPr lang="en-US" sz="3600" dirty="0">
-                <a:latin typeface="Arial" panose="020B0604020202020204" pitchFamily="34" charset="0"/>
-                <a:cs typeface="Arial" panose="020B0604020202020204" pitchFamily="34" charset="0"/>
-              </a:rPr>
-              <a:t>No features were dropped. </a:t>
-            </a:r>
-          </a:p>
-          <a:p>
-            <a:pPr marL="0" indent="0">
-              <a:buNone/>
-            </a:pPr>
-            <a:endParaRPr lang="en-US" sz="3600" dirty="0">
-              <a:latin typeface="Arial" panose="020B0604020202020204" pitchFamily="34" charset="0"/>
-              <a:cs typeface="Arial" panose="020B0604020202020204" pitchFamily="34" charset="0"/>
-            </a:endParaRPr>
-          </a:p>
-          <a:p>
-            <a:pPr marL="0" indent="0">
-              <a:buNone/>
-            </a:pPr>
-            <a:r>
-              <a:rPr lang="en-US" sz="3600" dirty="0" smtClean="0">
-                <a:latin typeface="Arial" panose="020B0604020202020204" pitchFamily="34" charset="0"/>
-                <a:cs typeface="Arial" panose="020B0604020202020204" pitchFamily="34" charset="0"/>
-              </a:rPr>
-              <a:t>Random </a:t>
-            </a:r>
-            <a:r>
-              <a:rPr lang="en-US" sz="3600" dirty="0">
-                <a:latin typeface="Arial" panose="020B0604020202020204" pitchFamily="34" charset="0"/>
-                <a:cs typeface="Arial" panose="020B0604020202020204" pitchFamily="34" charset="0"/>
-              </a:rPr>
-              <a:t>Forest Regressor </a:t>
-            </a:r>
-            <a:r>
-              <a:rPr lang="en-US" sz="3600" dirty="0" smtClean="0">
-                <a:latin typeface="Arial" panose="020B0604020202020204" pitchFamily="34" charset="0"/>
-                <a:cs typeface="Arial" panose="020B0604020202020204" pitchFamily="34" charset="0"/>
-              </a:rPr>
-              <a:t>was used to </a:t>
-            </a:r>
-            <a:r>
-              <a:rPr lang="en-US" sz="3600" dirty="0">
-                <a:latin typeface="Arial" panose="020B0604020202020204" pitchFamily="34" charset="0"/>
-                <a:cs typeface="Arial" panose="020B0604020202020204" pitchFamily="34" charset="0"/>
-              </a:rPr>
-              <a:t>find the Feature Importance which is displayed below</a:t>
-            </a:r>
-            <a:r>
-              <a:rPr lang="en-US" sz="3600" dirty="0" smtClean="0">
-                <a:latin typeface="Arial" panose="020B0604020202020204" pitchFamily="34" charset="0"/>
-                <a:cs typeface="Arial" panose="020B0604020202020204" pitchFamily="34" charset="0"/>
-              </a:rPr>
-              <a:t>.</a:t>
-            </a:r>
-          </a:p>
-          <a:p>
-            <a:pPr marL="0" indent="0">
-              <a:buNone/>
-            </a:pPr>
-            <a:endParaRPr lang="en-US" sz="3600" dirty="0" smtClean="0">
-              <a:latin typeface="Arial" panose="020B0604020202020204" pitchFamily="34" charset="0"/>
-              <a:cs typeface="Arial" panose="020B0604020202020204" pitchFamily="34" charset="0"/>
-            </a:endParaRPr>
+            <a:r>
+              <a:rPr lang="en-US" dirty="0" smtClean="0"/>
+              <a:t>Multicollinearity </a:t>
+            </a:r>
+            <a:r>
+              <a:rPr lang="en-US" dirty="0"/>
+              <a:t>is a problem as it undermines the significance of independent </a:t>
+            </a:r>
+            <a:r>
+              <a:rPr lang="en-US" dirty="0" smtClean="0"/>
+              <a:t>variables. </a:t>
+            </a:r>
+            <a:r>
+              <a:rPr lang="en-US" dirty="0"/>
+              <a:t>It can be fixed by removing the highly correlated features from the </a:t>
+            </a:r>
+            <a:r>
+              <a:rPr lang="en-US" dirty="0" smtClean="0"/>
+              <a:t>model.</a:t>
+            </a:r>
+          </a:p>
+          <a:p>
+            <a:endParaRPr lang="en-US" dirty="0"/>
+          </a:p>
+          <a:p>
+            <a:r>
+              <a:rPr lang="en-US" dirty="0"/>
+              <a:t>Uniformity of Cell </a:t>
+            </a:r>
+            <a:r>
+              <a:rPr lang="en-US" dirty="0" smtClean="0"/>
+              <a:t>Size and Mitosis were both removed before modeling for this reason. </a:t>
+            </a:r>
+            <a:endParaRPr lang="en-US" dirty="0"/>
+          </a:p>
+          <a:p>
+            <a:endParaRPr lang="en-US" dirty="0"/>
           </a:p>
         </p:txBody>
       </p:sp>
     </p:spTree>
     <p:extLst>
       <p:ext uri="{BB962C8B-B14F-4D97-AF65-F5344CB8AC3E}">
-        <p14:creationId xmlns:p14="http://schemas.microsoft.com/office/powerpoint/2010/main" val="1439704083"/>
+        <p14:creationId xmlns:p14="http://schemas.microsoft.com/office/powerpoint/2010/main" val="1791557325"/>
       </p:ext>
     </p:extLst>
   </p:cSld>
@@ -5091,241 +5815,32 @@
             <p:ph type="title"/>
           </p:nvPr>
         </p:nvSpPr>
-        <p:spPr>
-          <a:xfrm>
-            <a:off x="457200" y="274638"/>
-            <a:ext cx="8229600" cy="1477962"/>
-          </a:xfrm>
-        </p:spPr>
-        <p:txBody>
-          <a:bodyPr>
-            <a:normAutofit fontScale="90000"/>
-          </a:bodyPr>
-          <a:lstStyle/>
-          <a:p>
-            <a:pPr algn="l"/>
-            <a:r>
-              <a:rPr lang="en-US" sz="2800" dirty="0">
+        <p:spPr/>
+        <p:txBody>
+          <a:bodyPr/>
+          <a:lstStyle/>
+          <a:p>
+            <a:r>
+              <a:rPr lang="en-US" dirty="0" smtClean="0">
                 <a:latin typeface="Arial" panose="020B0604020202020204" pitchFamily="34" charset="0"/>
                 <a:cs typeface="Arial" panose="020B0604020202020204" pitchFamily="34" charset="0"/>
               </a:rPr>
-              <a:t>Top </a:t>
-            </a:r>
-            <a:r>
-              <a:rPr lang="en-US" sz="2800" dirty="0" smtClean="0">
+              <a:t>New Correlation </a:t>
+            </a:r>
+            <a:r>
+              <a:rPr lang="en-US" dirty="0">
                 <a:latin typeface="Arial" panose="020B0604020202020204" pitchFamily="34" charset="0"/>
                 <a:cs typeface="Arial" panose="020B0604020202020204" pitchFamily="34" charset="0"/>
               </a:rPr>
-              <a:t>Three Features by Importance</a:t>
-            </a:r>
-            <a:br>
-              <a:rPr lang="en-US" sz="2800" dirty="0" smtClean="0">
-                <a:latin typeface="Arial" panose="020B0604020202020204" pitchFamily="34" charset="0"/>
-                <a:cs typeface="Arial" panose="020B0604020202020204" pitchFamily="34" charset="0"/>
-              </a:rPr>
-            </a:br>
-            <a:r>
-              <a:rPr lang="en-US" sz="2800" dirty="0" smtClean="0">
-                <a:latin typeface="Arial" panose="020B0604020202020204" pitchFamily="34" charset="0"/>
-                <a:cs typeface="Arial" panose="020B0604020202020204" pitchFamily="34" charset="0"/>
-              </a:rPr>
-              <a:t>	</a:t>
-            </a:r>
-            <a:r>
-              <a:rPr lang="en-US" sz="2000" dirty="0" err="1" smtClean="0">
-                <a:latin typeface="Arial" panose="020B0604020202020204" pitchFamily="34" charset="0"/>
-                <a:cs typeface="Arial" panose="020B0604020202020204" pitchFamily="34" charset="0"/>
-              </a:rPr>
-              <a:t>Uniformity_of_Cell_Shape</a:t>
-            </a:r>
-            <a:r>
-              <a:rPr lang="en-US" sz="2000" dirty="0">
-                <a:latin typeface="Arial" panose="020B0604020202020204" pitchFamily="34" charset="0"/>
-                <a:cs typeface="Arial" panose="020B0604020202020204" pitchFamily="34" charset="0"/>
-              </a:rPr>
-              <a:t> </a:t>
-            </a:r>
-            <a:r>
-              <a:rPr lang="en-US" sz="2000" dirty="0" smtClean="0">
-                <a:latin typeface="Arial" panose="020B0604020202020204" pitchFamily="34" charset="0"/>
-                <a:cs typeface="Arial" panose="020B0604020202020204" pitchFamily="34" charset="0"/>
-              </a:rPr>
-              <a:t/>
-            </a:r>
-            <a:br>
-              <a:rPr lang="en-US" sz="2000" dirty="0" smtClean="0">
-                <a:latin typeface="Arial" panose="020B0604020202020204" pitchFamily="34" charset="0"/>
-                <a:cs typeface="Arial" panose="020B0604020202020204" pitchFamily="34" charset="0"/>
-              </a:rPr>
-            </a:br>
-            <a:r>
-              <a:rPr lang="en-US" sz="2000" dirty="0">
-                <a:latin typeface="Arial" panose="020B0604020202020204" pitchFamily="34" charset="0"/>
-                <a:cs typeface="Arial" panose="020B0604020202020204" pitchFamily="34" charset="0"/>
-              </a:rPr>
-              <a:t>	</a:t>
-            </a:r>
-            <a:r>
-              <a:rPr lang="en-US" sz="2000" dirty="0" err="1" smtClean="0">
-                <a:latin typeface="Arial" panose="020B0604020202020204" pitchFamily="34" charset="0"/>
-                <a:cs typeface="Arial" panose="020B0604020202020204" pitchFamily="34" charset="0"/>
-              </a:rPr>
-              <a:t>Uniformity_of_Cell_Size</a:t>
-            </a:r>
-            <a:r>
-              <a:rPr lang="en-US" sz="2000" dirty="0" smtClean="0">
-                <a:latin typeface="Arial" panose="020B0604020202020204" pitchFamily="34" charset="0"/>
-                <a:cs typeface="Arial" panose="020B0604020202020204" pitchFamily="34" charset="0"/>
-              </a:rPr>
-              <a:t> </a:t>
-            </a:r>
-            <a:br>
-              <a:rPr lang="en-US" sz="2000" dirty="0" smtClean="0">
-                <a:latin typeface="Arial" panose="020B0604020202020204" pitchFamily="34" charset="0"/>
-                <a:cs typeface="Arial" panose="020B0604020202020204" pitchFamily="34" charset="0"/>
-              </a:rPr>
-            </a:br>
-            <a:r>
-              <a:rPr lang="en-US" sz="2000" dirty="0">
-                <a:latin typeface="Arial" panose="020B0604020202020204" pitchFamily="34" charset="0"/>
-                <a:cs typeface="Arial" panose="020B0604020202020204" pitchFamily="34" charset="0"/>
-              </a:rPr>
-              <a:t>	</a:t>
-            </a:r>
-            <a:r>
-              <a:rPr lang="en-US" sz="2000" dirty="0" err="1" smtClean="0">
-                <a:latin typeface="Arial" panose="020B0604020202020204" pitchFamily="34" charset="0"/>
-                <a:cs typeface="Arial" panose="020B0604020202020204" pitchFamily="34" charset="0"/>
-              </a:rPr>
-              <a:t>Bare_Nuclei</a:t>
-            </a:r>
-            <a:endParaRPr lang="en-US" sz="2000" dirty="0">
-              <a:latin typeface="Arial" panose="020B0604020202020204" pitchFamily="34" charset="0"/>
-              <a:cs typeface="Arial" panose="020B0604020202020204" pitchFamily="34" charset="0"/>
-            </a:endParaRPr>
-          </a:p>
-        </p:txBody>
-      </p:sp>
-      <p:sp>
-        <p:nvSpPr>
-          <p:cNvPr id="4" name="AutoShape 4" descr="data:image/png;base64,iVBORw0KGgoAAAANSUhEUgAAAYsAAAEXCAYAAABcRGizAAAAOXRFWHRTb2Z0d2FyZQBNYXRwbG90bGliIHZlcnNpb24zLjMuMiwgaHR0cHM6Ly9tYXRwbG90bGliLm9yZy8vihELAAAACXBIWXMAAAsTAAALEwEAmpwYAAAXBElEQVR4nO3df/BddX3n8efLBPFXEWi+QEyiiTbrNlCty3dYVtsOs9QldpWgU2jcRWJlJ7sOrWutdaF2xLpmx1rq+qPiTKpIUArGn6TtoGI6ltKi9Ati+SU1CpKvieSL1MqPFZr43j/uyXj5cvM9NzH33m+4z8fMne85n/M557zvd5L7+n7OOfecVBWSJM3lSaMuQJI0/xkWkqRWhoUkqZVhIUlqZVhIkloZFpKkVoaFxlqS1ya5rmv+wSTPHWVNo5bklCTTo65D84thoXmv+UC/JcnDSb6X5OIkzxzEvqrqGVX17Wa/lyZ550+zvST/JclUE0I7k1yd5JcOTrVz7reS/Nwcy1+bZE9T1w+T3Jzk5Qewn5/6d6RDg2GheS3J7wJ/BPwe8EzgZGA58MUkh42wtFZJ3gS8F/g/wLHAs4GLgTUjLKvb9VX1DOBI4CPA5iRHj7YkzVtV5cvXvHwBRwAPAmfNan8GsAtY18xfCryza/kpwHTX/PnAt4AHgNuBV3Ytey1wXdd8AT8HrAf+FXi0qeEv6ATWp2fV8gHgvT1qf2az3plzvL/D6YTJjub1XuDwXnV119b1nj8I/FXzvr4KPK9Zdm3T96Gmht/ose/Z7/vpzTqTPX5/Pw98GfgBcBtwetP+uN/RqP/N+Brcy5GF5rMXA08BPtPdWFUPAlcD/6nP7XwL+GU6H+B/CHw8yeK5VqiqjcDlwLurc2jqFcDHgdVJjgRIshD4DeBjPTbxH5raPzvHbt5KZ6T0i8ALgZOAP+jzPQG8unk/RwHbgA1N7b/SLH9hU/sn5tpI8z7+G50P/G/OWnYYnaD8InAM8NvA5Umev4/fkZ6gDAvNZ4uA+6pqd49lO4GJfjZSVZ+sqh1V9ePmg/ObdD6Y90tV7aTzV/uZTdPqpr4be3T/2Tlq3+u/Au+oql1VNUPng/81+1HSZ6rqhmYfl9MJnf1xcpIfAN+jEzyvrKp/md2HzkjuXVX1aFX9NfCXTX+NEcNC89l9wKLmL9/ZFgMz/WwkyTnNCdwfNB+OJ9AJogOxCTi7mT6b3qMKgO+z79r3ehbwna757zRt/fpe1/TDdD7U98dXqurIqlpUVSdX1Zf2UeP2qvrxrDqX7Oe+dIgzLDSfXQ88AryquzHJ04GXAX/TND0EPK2ry3FdfZ8D/BnwW8DPVtWRwK1A+th/r1syfw54QZITgJfT+Yt+X7X/CDhjju3vAJ7TNf/spg1mvackxzEaO4BlSbo/K54NfLeZ9rbVY8Kw0LzVHBL5Q+ADSVYnOSzJcuCTdEYdez+obwZ+LcnRzYfqG7s2s/fE7QxAkt+kM7Lox73AY75zUVU/Aj4F/DlwQ1XdM0ftbwM+mOSMJE9r6n9Zknc33a4A/iDJRJJFTf+PN8u+Dhyf5BeTPAV4e58177P2A/RVOsH1lqb+U4BXAFce5P1onjMsNK9V1buB3wcuonPVz110/uL+1ap6qOn2MTofrnfTORH7ia71bwf+hM5f+vcCvwD8XZ+7/wiwqjl89bmu9k3NdvZ1CGrvvt8DvInOSesZYDudEc7ebb0TmAL+EbgFuKlpo6r+CXgH8CU651iuY/+8HdjU1H7Wfq7b/R4eBU6nM5K7j86lv+dU1TeaLvv6HekJJlWOInXoSPI6OqONl+zrr/oh1PBs4BvAcVX1w1HUIA3bXCffpHmnqi5J8q90Lqsdelg0x+7fBFxpUGicOLKQ+tScWL+XztVAq6tq+4hLkobGsJAktfIEtySp1RP2nMWiRYtq+fLloy5Dkg4pN954431V9bi7Izxhw2L58uVMTU2NugxJOqQk+U6vdg9DSZJaGRaSpFaGhSSp1cDCIsklSXYlubXHsjc3j31c1NV2QZJtSe5MclpX+4nNIzW3JXl/kn5uACdJOogGObK4lM79/h8jyTLgpXR9+zbJKmAtcHyzzsVJFjSLP0TniVwrm9fjtilJGqyBhUVVXQvc32PR/wXewmNvbbyGzu0THqmqu+g89euk5mlmR1TV9dX59uBlzH3LZ0nSAAz1nEWS04HvVtXXZy1aQueOnHtNN21LmunZ7fva/vokU0mmZmb6ei6OJKkPQwuLJE+j88zht/Va3KOt5mjvqao2VtVkVU1OTPT1xE1JUh+G+aW85wErgK8356iXAjclOYnOiGFZV9+ldJ7QNd1Mz26XJA3R0MKiqm4Bjtk7n+RuYLKq7kuyBfjzJO+h88zflXSeQrYnyQNJTqbzxK5zgA8Mo94Tf++yYexGh5gb//icUZcgjcQgL529gs7TyZ6fZDrJufvqW1W3AZuB24HPA+dV1Z5m8euBD9M56f0t4OpB1SxJ6m1gI4uqenXL8uWz5jcAG3r0m6L/ZyZLkgbAb3BLkloZFpKkVoaFJKmVYSFJamVYSJJaGRaSpFaGhSSplWEhSWplWEiSWhkWkqRWhoUkqZVhIUlqZVhIkloZFpKkVoaFJKmVYSFJamVYSJJaGRaSpFaGhSSplWEhSWplWEiSWg0sLJJckmRXklu72v44yTeS/GOSzyY5smvZBUm2JbkzyWld7ScmuaVZ9v4kGVTNkqTeBjmyuBRYPavtGuCEqnoB8E/ABQBJVgFrgeObdS5OsqBZ50PAemBl85q9TUnSgA0sLKrqWuD+WW1frKrdzexXgKXN9Brgyqp6pKruArYBJyVZDBxRVddXVQGXAWcMqmZJUm+jPGfxOuDqZnoJsL1r2XTTtqSZnt3eU5L1SaaSTM3MzBzkciVpfI0kLJK8FdgNXL63qUe3mqO9p6raWFWTVTU5MTHx0xcqSQJg4bB3mGQd8HLg1ObQEnRGDMu6ui0FdjTtS3u0S5KGaKgjiySrgf8FnF5VD3ct2gKsTXJ4khV0TmTfUFU7gQeSnNxcBXUOcNUwa5YkDXBkkeQK4BRgUZJp4EI6Vz8dDlzTXAH7lar6H1V1W5LNwO10Dk+dV1V7mk29ns6VVU+lc47jaiRJQzWwsKiqV/do/sgc/TcAG3q0TwEnHMTSJEn7yW9wS5JaGRaSpFaGhSSplWEhSWplWEiSWhkWkqRWhoUkqZVhIUlqZVhIkloZFpKkVoaFJKmVYSFJamVYSJJaGRaSpFaGhSSplWEhSWplWEiSWhkWkqRWhoUkqZVhIUlqZVhIkloNLCySXJJkV5Jbu9qOTnJNkm82P4/qWnZBkm1J7kxyWlf7iUluaZa9P0kGVbMkqbdBjiwuBVbPajsf2FpVK4GtzTxJVgFrgeObdS5OsqBZ50PAemBl85q9TUnSgA0sLKrqWuD+Wc1rgE3N9CbgjK72K6vqkaq6C9gGnJRkMXBEVV1fVQVc1rWOJGlIhn3O4tiq2gnQ/DymaV8CbO/qN920LWmmZ7f3lGR9kqkkUzMzMwe1cEkaZ/PlBHev8xA1R3tPVbWxqiaranJiYuKgFSdJ427YYXFvc2iJ5ueupn0aWNbVbymwo2lf2qNdkjREww6LLcC6ZnodcFVX+9okhydZQedE9g3NoaoHkpzcXAV1Ttc6kqQhWTioDSe5AjgFWJRkGrgQeBewOcm5wD3AmQBVdVuSzcDtwG7gvKra02zq9XSurHoqcHXzkiQN0cDCoqpevY9Fp+6j/wZgQ4/2KeCEg1iaJGk/zZcT3JKkecywkCS1MiwkSa0MC0lSK8NCktTKsJAktTIsJEmtDAtJUivDQpLUyrCQJLUyLCRJrQwLSVIrw0KS1MqwkCS1MiwkSa0MC0lSK8NCktTKsJAktTIsJEmtDAtJUivDQpLUaiRhkeR3ktyW5NYkVyR5SpKjk1yT5JvNz6O6+l+QZFuSO5OcNoqaJWmcDT0skiwB3gBMVtUJwAJgLXA+sLWqVgJbm3mSrGqWHw+sBi5OsmDYdUvSOBvVYaiFwFOTLASeBuwA1gCbmuWbgDOa6TXAlVX1SFXdBWwDThpuuZI03voKiyRb+2nrR1V9F7gIuAfYCfxLVX0ROLaqdjZ9dgLHNKssAbZ3bWK6aetV5/okU0mmZmZmDqQ8SVIPc4bF3nMJwKIkRzXnFY5Oshx41oHssDkXsQZY0Wzj6UnOnmuVHm3Vq2NVbayqyaqanJiYOJDyJEk9LGxZ/t+BN9L5UL+Rn3xw/xD44AHu81eBu6pqBiDJZ4AXA/cmWVxVO5MsBnY1/aeBZV3rL6Vz2EqSNCRzjiyq6n1VtQJ4c1U9t6pWNK8XVtWfHuA+7wFOTvK0JAFOBe4AtgDrmj7rgKua6S3A2iSHJ1kBrARuOMB9S5IOQNvIAoCq+kCSFwPLu9epqsv2d4dV9dUknwJuAnYDXwM2As8ANic5l06gnNn0vy3JZuD2pv95VbVnf/crSTpwfYVFko8BzwNuBvZ+UBew32EBUFUXAhfOan6EziijV/8NwIYD2Zck6afXV1gAk8Cqqup5YlmS9MTW7/csbgWOG2QhkqT5q9+RxSLg9iQ30DlcBEBVnT6QqiRJ80q/YfH2QRYhSZrf+r0a6m8GXYgkaf7q92qoB/jJt6afDBwGPFRVRwyqMEnS/NHvyOJnuueTnIE385OksXFAd52tqs8B//HgliJJmq/6PQz1qq7ZJ9H53oXfuZCkMdHv1VCv6JreDdxN586xkqQx0O85i98cdCGSpPmr34cfLU3y2SS7ktyb5NNJlg66OEnS/NDvCe6P0rlV+LPoPKXuL5o2SdIY6DcsJqrqo1W1u3ldCvgoOkkaE/2GxX1Jzk6yoHmdDXx/kIVJkuaPfsPidcBZwPeAncCvA570lqQx0e+ls/8bWFdV/wyQ5GjgIjohIkl6gut3ZPGCvUEBUFX3Ay8aTEmSpPmm37B4UpKj9s40I4t+RyWSpENcvx/4fwL8fZJP0bnNx1n4TGxJGhv9foP7siRTdG4eGOBVVXX7QCuTJM0bfR9KasLhoAREkiOBDwMn0BmpvA64E/gEsJzOvafO6jqhfgFwLrAHeENVfeFg1CFJ6s8B3aL8IHgf8Pmq+rfAC4E7gPOBrVW1EtjazJNkFbAWOB5YDVycZMFIqpakMTX0sEhyBPArwEcAqurRqvoBnbvYbmq6bQLOaKbXAFdW1SNVdRewDR+8JElDNYqRxXOBGeCjSb6W5MNJng4cW1U7AZqfxzT9lwDbu9afbtoeJ8n6JFNJpmZmZgb3DiRpzIwiLBYC/w74UFW9CHiI5pDTPqRHW88HL1XVxqqarKrJiQlvXSVJB8sowmIamK6qrzbzn6ITHvcmWQzQ/NzV1X9Z1/pLgR1DqlWSxAjCoqq+B2xP8vym6VQ6V1ltAdY1beuAq5rpLcDaJIcnWQGsBG4YYsmSNPZG9S3s3wYuT/Jk4Nt0bkr4JGBzknOBe4AzAarqtiSb6QTKbuC8qtozmrIlaTyNJCyq6mZgsseiU/fRfwN+Y1ySRmZU37OQJB1CDAtJUivDQpLUyrCQJLUyLCRJrQwLSVIrw0KS1MqwkCS1MiwkSa0MC0lSK8NCktTKsJAktTIsJEmtDAtJUivDQpLUyrCQJLUyLCRJrQwLSVIrw0KS1MqwkCS1MiwkSa1GFhZJFiT5WpK/bOaPTnJNkm82P4/q6ntBkm1J7kxy2qhqlqRxNcqRxf8E7uiaPx/YWlUrga3NPElWAWuB44HVwMVJFgy5VkkaayMJiyRLgf8MfLireQ2wqZneBJzR1X5lVT1SVXcB24CThlSqJInRjSzeC7wF+HFX27FVtROg+XlM074E2N7Vb7ppe5wk65NMJZmamZk56EVL0rgaelgkeTmwq6pu7HeVHm3Vq2NVbayqyaqanJiYOOAaJUmPtXAE+3wJcHqSXwOeAhyR5OPAvUkWV9XOJIuBXU3/aWBZ1/pLgR1DrViSxtzQRxZVdUFVLa2q5XROXP91VZ0NbAHWNd3WAVc101uAtUkOT7ICWAncMOSyJWmsjWJksS/vAjYnORe4BzgToKpuS7IZuB3YDZxXVXtGV6YkjZ+RhkVVfRn4cjP9feDUffTbAGwYWmGSpMfwG9ySpFaGhSSplWEhSWplWEiSWhkWkqRWhoUkqZVhIUlqZVhIkloZFpKkVoaFJKmVYSFJamVYSJJaGRaSpFaGhSSplWEhSWplWEiSWhkWkqRWhoUkqZVhIUlqZVhIkloZFpKkVguHvcMky4DLgOOAHwMbq+p9SY4GPgEsB+4Gzqqqf27WuQA4F9gDvKGqvjDsuqX55J53/MKoS9A89Oy33TKwbY9iZLEb+N2q+nngZOC8JKuA84GtVbUS2NrM0yxbCxwPrAYuTrJgBHVL0tgaelhU1c6quqmZfgC4A1gCrAE2Nd02AWc002uAK6vqkaq6C9gGnDTUoiVpzI30nEWS5cCLgK8Cx1bVTugECnBM020JsL1rtemmrdf21ieZSjI1MzMzsLoladyMLCySPAP4NPDGqvrhXF17tFWvjlW1saomq2pyYmLiYJQpSWJEYZHkMDpBcXlVfaZpvjfJ4mb5YmBX0z4NLOtafSmwY1i1SpJGEBZJAnwEuKOq3tO1aAuwrpleB1zV1b42yeFJVgArgRuGVa8kaQSXzgIvAV4D3JLk5qbt94F3AZuTnAvcA5wJUFW3JdkM3E7nSqrzqmrP0KuWpDE29LCoquvofR4C4NR9rLMB2DCwoiRJc/Ib3JKkVoaFJKmVYSFJamVYSJJaGRaSpFaGhSSplWEhSWplWEiSWhkWkqRWhoUkqZVhIUlqZVhIkloZFpKkVoaFJKmVYSFJamVYSJJaGRaSpFaGhSSplWEhSWplWEiSWhkWkqRWh0xYJFmd5M4k25KcP+p6JGmcHBJhkWQB8EHgZcAq4NVJVo22KkkaH4dEWAAnAduq6ttV9ShwJbBmxDVJ0thYOOoC+rQE2N41Pw38+9mdkqwH1jezDya5cwi1jYNFwH2jLmI+yEXrRl2CHs9/n3tdmIOxlef0ajxUwqLXb6Ae11C1Edg4+HLGS5KpqpocdR1SL/77HI5D5TDUNLCsa34psGNEtUjS2DlUwuIfgJVJViR5MrAW2DLimiRpbBwSh6GqaneS3wK+ACwALqmq20Zc1jjx0J7mM/99DkGqHnfoX5KkxzhUDkNJkkbIsJAktTIsNCdvs6L5KsklSXYluXXUtYwDw0L75G1WNM9dCqwedRHjwrDQXLzNiuatqroWuH/UdYwLw0Jz6XWblSUjqkXSCBkWmktft1mR9MRnWGgu3mZFEmBYaG7eZkUSYFhoDlW1G9h7m5U7gM3eZkXzRZIrgOuB5yeZTnLuqGt6IvN2H5KkVo4sJEmtDAtJUivDQpLUyrCQJLUyLCRJrQwLSVIrw0IagiTL57qVdpLXJvnTfSz7+8FVJvXHsJDmuap68ahrkAwLqUWStzYPgPpSkiuSvDnJl5NMNssXJbm7mV6e5G+T3NS89ueDflmSzzf7urBr/w82P09p9vupJN9IcnmSXjd7lA66haMuQJrPkpxI555YL6Lz/+Um4MY5VtkFvLSqfpRkJXAFMNnn7k4CTgAeBv4hyV9V1dSsPi8CjqdzQ8e/A14CXNfn9qUD5shCmtsvA5+tqoer6oe030jxMODPktwCfJLOEwb7dU1Vfb+q/h/wGeCXevS5oaqmq+rHwM3A8v3YvnTAHFlI7XrdQG03P/lj6yld7b8D3Au8sFn+o59iP732+0jX9B78P6whcWQhze1a4JVJnprkZ4BXNO13Ayc207/e1f+ZwM7mL//XAAv2Y18vTXJ0kqcCZ9A5zCTNC4aFNIequgn4BJ1DPp8G/rZZdBHw+uay1kVdq1wMrEvyFeDfAA/tx+6uAz62d189zldII+MtyqX9kOTtwINVddGoa5GGyZGFJKmVIwtpiJKcBvzRrOa7quqVo6hH6pdhIUlq5WEoSVIrw0KS1MqwkCS1MiwkSa3+P4jMNGDh5ZaUAAAAAElFTkSuQmCC"/>
-          <p:cNvSpPr>
-            <a:spLocks noChangeAspect="1" noChangeArrowheads="1"/>
-          </p:cNvSpPr>
-          <p:nvPr/>
-        </p:nvSpPr>
-        <p:spPr bwMode="auto">
-          <a:xfrm>
-            <a:off x="155575" y="-144463"/>
-            <a:ext cx="304800" cy="304801"/>
-          </a:xfrm>
-          <a:prstGeom prst="rect">
-            <a:avLst/>
-          </a:prstGeom>
-          <a:noFill/>
-          <a:extLst>
-            <a:ext uri="{909E8E84-426E-40DD-AFC4-6F175D3DCCD1}">
-              <a14:hiddenFill xmlns:a14="http://schemas.microsoft.com/office/drawing/2010/main">
-                <a:solidFill>
-                  <a:srgbClr val="FFFFFF"/>
-                </a:solidFill>
-              </a14:hiddenFill>
-            </a:ext>
-          </a:extLst>
-        </p:spPr>
-        <p:txBody>
-          <a:bodyPr vert="horz" wrap="square" lIns="91440" tIns="45720" rIns="91440" bIns="45720" numCol="1" anchor="t" anchorCtr="0" compatLnSpc="1">
-            <a:prstTxWarp prst="textNoShape">
-              <a:avLst/>
-            </a:prstTxWarp>
-          </a:bodyPr>
-          <a:lstStyle/>
-          <a:p>
-            <a:endParaRPr lang="en-US"/>
-          </a:p>
-        </p:txBody>
-      </p:sp>
-      <p:sp>
-        <p:nvSpPr>
-          <p:cNvPr id="5" name="AutoShape 6" descr="data:image/png;base64,iVBORw0KGgoAAAANSUhEUgAAAYsAAAEXCAYAAABcRGizAAAAOXRFWHRTb2Z0d2FyZQBNYXRwbG90bGliIHZlcnNpb24zLjMuMiwgaHR0cHM6Ly9tYXRwbG90bGliLm9yZy8vihELAAAACXBIWXMAAAsTAAALEwEAmpwYAAAXBElEQVR4nO3df/BddX3n8efLBPFXEWi+QEyiiTbrNlCty3dYVtsOs9QldpWgU2jcRWJlJ7sOrWutdaF2xLpmx1rq+qPiTKpIUArGn6TtoGI6ltKi9Ati+SU1CpKvieSL1MqPFZr43j/uyXj5cvM9NzH33m+4z8fMne85n/M557zvd5L7+n7OOfecVBWSJM3lSaMuQJI0/xkWkqRWhoUkqZVhIUlqZVhIkloZFpKkVoaFxlqS1ya5rmv+wSTPHWVNo5bklCTTo65D84thoXmv+UC/JcnDSb6X5OIkzxzEvqrqGVX17Wa/lyZ550+zvST/JclUE0I7k1yd5JcOTrVz7reS/Nwcy1+bZE9T1w+T3Jzk5Qewn5/6d6RDg2GheS3J7wJ/BPwe8EzgZGA58MUkh42wtFZJ3gS8F/g/wLHAs4GLgTUjLKvb9VX1DOBI4CPA5iRHj7YkzVtV5cvXvHwBRwAPAmfNan8GsAtY18xfCryza/kpwHTX/PnAt4AHgNuBV3Ytey1wXdd8AT8HrAf+FXi0qeEv6ATWp2fV8gHgvT1qf2az3plzvL/D6YTJjub1XuDwXnV119b1nj8I/FXzvr4KPK9Zdm3T96Gmht/ose/Z7/vpzTqTPX5/Pw98GfgBcBtwetP+uN/RqP/N+Brcy5GF5rMXA08BPtPdWFUPAlcD/6nP7XwL+GU6H+B/CHw8yeK5VqiqjcDlwLurc2jqFcDHgdVJjgRIshD4DeBjPTbxH5raPzvHbt5KZ6T0i8ALgZOAP+jzPQG8unk/RwHbgA1N7b/SLH9hU/sn5tpI8z7+G50P/G/OWnYYnaD8InAM8NvA5Umev4/fkZ6gDAvNZ4uA+6pqd49lO4GJfjZSVZ+sqh1V9ePmg/ObdD6Y90tV7aTzV/uZTdPqpr4be3T/2Tlq3+u/Au+oql1VNUPng/81+1HSZ6rqhmYfl9MJnf1xcpIfAN+jEzyvrKp/md2HzkjuXVX1aFX9NfCXTX+NEcNC89l9wKLmL9/ZFgMz/WwkyTnNCdwfNB+OJ9AJogOxCTi7mT6b3qMKgO+z79r3ehbwna757zRt/fpe1/TDdD7U98dXqurIqlpUVSdX1Zf2UeP2qvrxrDqX7Oe+dIgzLDSfXQ88AryquzHJ04GXAX/TND0EPK2ry3FdfZ8D/BnwW8DPVtWRwK1A+th/r1syfw54QZITgJfT+Yt+X7X/CDhjju3vAJ7TNf/spg1mvackxzEaO4BlSbo/K54NfLeZ9rbVY8Kw0LzVHBL5Q+ADSVYnOSzJcuCTdEYdez+obwZ+LcnRzYfqG7s2s/fE7QxAkt+kM7Lox73AY75zUVU/Aj4F/DlwQ1XdM0ftbwM+mOSMJE9r6n9Zknc33a4A/iDJRJJFTf+PN8u+Dhyf5BeTPAV4e58177P2A/RVOsH1lqb+U4BXAFce5P1onjMsNK9V1buB3wcuonPVz110/uL+1ap6qOn2MTofrnfTORH7ia71bwf+hM5f+vcCvwD8XZ+7/wiwqjl89bmu9k3NdvZ1CGrvvt8DvInOSesZYDudEc7ebb0TmAL+EbgFuKlpo6r+CXgH8CU651iuY/+8HdjU1H7Wfq7b/R4eBU6nM5K7j86lv+dU1TeaLvv6HekJJlWOInXoSPI6OqONl+zrr/oh1PBs4BvAcVX1w1HUIA3bXCffpHmnqi5J8q90Lqsdelg0x+7fBFxpUGicOLKQ+tScWL+XztVAq6tq+4hLkobGsJAktfIEtySp1RP2nMWiRYtq+fLloy5Dkg4pN954431V9bi7Izxhw2L58uVMTU2NugxJOqQk+U6vdg9DSZJaGRaSpFaGhSSp1cDCIsklSXYlubXHsjc3j31c1NV2QZJtSe5MclpX+4nNIzW3JXl/kn5uACdJOogGObK4lM79/h8jyTLgpXR9+zbJKmAtcHyzzsVJFjSLP0TniVwrm9fjtilJGqyBhUVVXQvc32PR/wXewmNvbbyGzu0THqmqu+g89euk5mlmR1TV9dX59uBlzH3LZ0nSAAz1nEWS04HvVtXXZy1aQueOnHtNN21LmunZ7fva/vokU0mmZmb6ei6OJKkPQwuLJE+j88zht/Va3KOt5mjvqao2VtVkVU1OTPT1xE1JUh+G+aW85wErgK8356iXAjclOYnOiGFZV9+ldJ7QNd1Mz26XJA3R0MKiqm4Bjtk7n+RuYLKq7kuyBfjzJO+h88zflXSeQrYnyQNJTqbzxK5zgA8Mo94Tf++yYexGh5gb//icUZcgjcQgL529gs7TyZ6fZDrJufvqW1W3AZuB24HPA+dV1Z5m8euBD9M56f0t4OpB1SxJ6m1gI4uqenXL8uWz5jcAG3r0m6L/ZyZLkgbAb3BLkloZFpKkVoaFJKmVYSFJamVYSJJaGRaSpFaGhSSplWEhSWplWEiSWhkWkqRWhoUkqZVhIUlqZVhIkloZFpKkVoaFJKmVYSFJamVYSJJaGRaSpFaGhSSplWEhSWplWEiSWg0sLJJckmRXklu72v44yTeS/GOSzyY5smvZBUm2JbkzyWld7ScmuaVZ9v4kGVTNkqTeBjmyuBRYPavtGuCEqnoB8E/ABQBJVgFrgeObdS5OsqBZ50PAemBl85q9TUnSgA0sLKrqWuD+WW1frKrdzexXgKXN9Brgyqp6pKruArYBJyVZDBxRVddXVQGXAWcMqmZJUm+jPGfxOuDqZnoJsL1r2XTTtqSZnt3eU5L1SaaSTM3MzBzkciVpfI0kLJK8FdgNXL63qUe3mqO9p6raWFWTVTU5MTHx0xcqSQJg4bB3mGQd8HLg1ObQEnRGDMu6ui0FdjTtS3u0S5KGaKgjiySrgf8FnF5VD3ct2gKsTXJ4khV0TmTfUFU7gQeSnNxcBXUOcNUwa5YkDXBkkeQK4BRgUZJp4EI6Vz8dDlzTXAH7lar6H1V1W5LNwO10Dk+dV1V7mk29ns6VVU+lc47jaiRJQzWwsKiqV/do/sgc/TcAG3q0TwEnHMTSJEn7yW9wS5JaGRaSpFaGhSSplWEhSWplWEiSWhkWkqRWhoUkqZVhIUlqZVhIkloZFpKkVoaFJKmVYSFJamVYSJJaGRaSpFaGhSSplWEhSWplWEiSWhkWkqRWhoUkqZVhIUlqZVhIkloNLCySXJJkV5Jbu9qOTnJNkm82P4/qWnZBkm1J7kxyWlf7iUluaZa9P0kGVbMkqbdBjiwuBVbPajsf2FpVK4GtzTxJVgFrgeObdS5OsqBZ50PAemBl85q9TUnSgA0sLKrqWuD+Wc1rgE3N9CbgjK72K6vqkaq6C9gGnJRkMXBEVV1fVQVc1rWOJGlIhn3O4tiq2gnQ/DymaV8CbO/qN920LWmmZ7f3lGR9kqkkUzMzMwe1cEkaZ/PlBHev8xA1R3tPVbWxqiaranJiYuKgFSdJ427YYXFvc2iJ5ueupn0aWNbVbymwo2lf2qNdkjREww6LLcC6ZnodcFVX+9okhydZQedE9g3NoaoHkpzcXAV1Ttc6kqQhWTioDSe5AjgFWJRkGrgQeBewOcm5wD3AmQBVdVuSzcDtwG7gvKra02zq9XSurHoqcHXzkiQN0cDCoqpevY9Fp+6j/wZgQ4/2KeCEg1iaJGk/zZcT3JKkecywkCS1MiwkSa0MC0lSK8NCktTKsJAktTIsJEmtDAtJUivDQpLUyrCQJLUyLCRJrQwLSVIrw0KS1MqwkCS1MiwkSa0MC0lSK8NCktTKsJAktTIsJEmtDAtJUivDQpLUaiRhkeR3ktyW5NYkVyR5SpKjk1yT5JvNz6O6+l+QZFuSO5OcNoqaJWmcDT0skiwB3gBMVtUJwAJgLXA+sLWqVgJbm3mSrGqWHw+sBi5OsmDYdUvSOBvVYaiFwFOTLASeBuwA1gCbmuWbgDOa6TXAlVX1SFXdBWwDThpuuZI03voKiyRb+2nrR1V9F7gIuAfYCfxLVX0ROLaqdjZ9dgLHNKssAbZ3bWK6aetV5/okU0mmZmZmDqQ8SVIPc4bF3nMJwKIkRzXnFY5Oshx41oHssDkXsQZY0Wzj6UnOnmuVHm3Vq2NVbayqyaqanJiYOJDyJEk9LGxZ/t+BN9L5UL+Rn3xw/xD44AHu81eBu6pqBiDJZ4AXA/cmWVxVO5MsBnY1/aeBZV3rL6Vz2EqSNCRzjiyq6n1VtQJ4c1U9t6pWNK8XVtWfHuA+7wFOTvK0JAFOBe4AtgDrmj7rgKua6S3A2iSHJ1kBrARuOMB9S5IOQNvIAoCq+kCSFwPLu9epqsv2d4dV9dUknwJuAnYDXwM2As8ANic5l06gnNn0vy3JZuD2pv95VbVnf/crSTpwfYVFko8BzwNuBvZ+UBew32EBUFUXAhfOan6EziijV/8NwIYD2Zck6afXV1gAk8Cqqup5YlmS9MTW7/csbgWOG2QhkqT5q9+RxSLg9iQ30DlcBEBVnT6QqiRJ80q/YfH2QRYhSZrf+r0a6m8GXYgkaf7q92qoB/jJt6afDBwGPFRVRwyqMEnS/NHvyOJnuueTnIE385OksXFAd52tqs8B//HgliJJmq/6PQz1qq7ZJ9H53oXfuZCkMdHv1VCv6JreDdxN586xkqQx0O85i98cdCGSpPmr34cfLU3y2SS7ktyb5NNJlg66OEnS/NDvCe6P0rlV+LPoPKXuL5o2SdIY6DcsJqrqo1W1u3ldCvgoOkkaE/2GxX1Jzk6yoHmdDXx/kIVJkuaPfsPidcBZwPeAncCvA570lqQx0e+ls/8bWFdV/wyQ5GjgIjohIkl6gut3ZPGCvUEBUFX3Ay8aTEmSpPmm37B4UpKj9s40I4t+RyWSpENcvx/4fwL8fZJP0bnNx1n4TGxJGhv9foP7siRTdG4eGOBVVXX7QCuTJM0bfR9KasLhoAREkiOBDwMn0BmpvA64E/gEsJzOvafO6jqhfgFwLrAHeENVfeFg1CFJ6s8B3aL8IHgf8Pmq+rfAC4E7gPOBrVW1EtjazJNkFbAWOB5YDVycZMFIqpakMTX0sEhyBPArwEcAqurRqvoBnbvYbmq6bQLOaKbXAFdW1SNVdRewDR+8JElDNYqRxXOBGeCjSb6W5MNJng4cW1U7AZqfxzT9lwDbu9afbtoeJ8n6JFNJpmZmZgb3DiRpzIwiLBYC/w74UFW9CHiI5pDTPqRHW88HL1XVxqqarKrJiQlvXSVJB8sowmIamK6qrzbzn6ITHvcmWQzQ/NzV1X9Z1/pLgR1DqlWSxAjCoqq+B2xP8vym6VQ6V1ltAdY1beuAq5rpLcDaJIcnWQGsBG4YYsmSNPZG9S3s3wYuT/Jk4Nt0bkr4JGBzknOBe4AzAarqtiSb6QTKbuC8qtozmrIlaTyNJCyq6mZgsseiU/fRfwN+Y1ySRmZU37OQJB1CDAtJUivDQpLUyrCQJLUyLCRJrQwLSVIrw0KS1MqwkCS1MiwkSa0MC0lSK8NCktTKsJAktTIsJEmtDAtJUivDQpLUyrCQJLUyLCRJrQwLSVIrw0KS1MqwkCS1MiwkSa1GFhZJFiT5WpK/bOaPTnJNkm82P4/q6ntBkm1J7kxy2qhqlqRxNcqRxf8E7uiaPx/YWlUrga3NPElWAWuB44HVwMVJFgy5VkkaayMJiyRLgf8MfLireQ2wqZneBJzR1X5lVT1SVXcB24CThlSqJInRjSzeC7wF+HFX27FVtROg+XlM074E2N7Vb7ppe5wk65NMJZmamZk56EVL0rgaelgkeTmwq6pu7HeVHm3Vq2NVbayqyaqanJiYOOAaJUmPtXAE+3wJcHqSXwOeAhyR5OPAvUkWV9XOJIuBXU3/aWBZ1/pLgR1DrViSxtzQRxZVdUFVLa2q5XROXP91VZ0NbAHWNd3WAVc101uAtUkOT7ICWAncMOSyJWmsjWJksS/vAjYnORe4BzgToKpuS7IZuB3YDZxXVXtGV6YkjZ+RhkVVfRn4cjP9feDUffTbAGwYWmGSpMfwG9ySpFaGhSSplWEhSWplWEiSWhkWkqRWhoUkqZVhIUlqZVhIkloZFpKkVoaFJKmVYSFJamVYSJJaGRaSpFaGhSSplWEhSWplWEiSWhkWkqRWhoUkqZVhIUlqZVhIkloZFpKkVguHvcMky4DLgOOAHwMbq+p9SY4GPgEsB+4Gzqqqf27WuQA4F9gDvKGqvjDsuqX55J53/MKoS9A89Oy33TKwbY9iZLEb+N2q+nngZOC8JKuA84GtVbUS2NrM0yxbCxwPrAYuTrJgBHVL0tgaelhU1c6quqmZfgC4A1gCrAE2Nd02AWc002uAK6vqkaq6C9gGnDTUoiVpzI30nEWS5cCLgK8Cx1bVTugECnBM020JsL1rtemmrdf21ieZSjI1MzMzsLoladyMLCySPAP4NPDGqvrhXF17tFWvjlW1saomq2pyYmLiYJQpSWJEYZHkMDpBcXlVfaZpvjfJ4mb5YmBX0z4NLOtafSmwY1i1SpJGEBZJAnwEuKOq3tO1aAuwrpleB1zV1b42yeFJVgArgRuGVa8kaQSXzgIvAV4D3JLk5qbt94F3AZuTnAvcA5wJUFW3JdkM3E7nSqrzqmrP0KuWpDE29LCoquvofR4C4NR9rLMB2DCwoiRJc/Ib3JKkVoaFJKmVYSFJamVYSJJaGRaSpFaGhSSplWEhSWplWEiSWhkWkqRWhoUkqZVhIUlqZVhIkloZFpKkVoaFJKmVYSFJamVYSJJaGRaSpFaGhSSplWEhSWplWEiSWhkWkqRWh0xYJFmd5M4k25KcP+p6JGmcHBJhkWQB8EHgZcAq4NVJVo22KkkaH4dEWAAnAduq6ttV9ShwJbBmxDVJ0thYOOoC+rQE2N41Pw38+9mdkqwH1jezDya5cwi1jYNFwH2jLmI+yEXrRl2CHs9/n3tdmIOxlef0ajxUwqLXb6Ae11C1Edg4+HLGS5KpqpocdR1SL/77HI5D5TDUNLCsa34psGNEtUjS2DlUwuIfgJVJViR5MrAW2DLimiRpbBwSh6GqaneS3wK+ACwALqmq20Zc1jjx0J7mM/99DkGqHnfoX5KkxzhUDkNJkkbIsJAktTIsNCdvs6L5KsklSXYluXXUtYwDw0L75G1WNM9dCqwedRHjwrDQXLzNiuatqroWuH/UdYwLw0Jz6XWblSUjqkXSCBkWmktft1mR9MRnWGgu3mZFEmBYaG7eZkUSYFhoDlW1G9h7m5U7gM3eZkXzRZIrgOuB5yeZTnLuqGt6IvN2H5KkVo4sJEmtDAtJUivDQpLUyrCQJLUyLCRJrQwLSVIrw0IagiTL57qVdpLXJvnTfSz7+8FVJvXHsJDmuap68ahrkAwLqUWStzYPgPpSkiuSvDnJl5NMNssXJbm7mV6e5G+T3NS89ueDflmSzzf7urBr/w82P09p9vupJN9IcnmSXjd7lA66haMuQJrPkpxI555YL6Lz/+Um4MY5VtkFvLSqfpRkJXAFMNnn7k4CTgAeBv4hyV9V1dSsPi8CjqdzQ8e/A14CXNfn9qUD5shCmtsvA5+tqoer6oe030jxMODPktwCfJLOEwb7dU1Vfb+q/h/wGeCXevS5oaqmq+rHwM3A8v3YvnTAHFlI7XrdQG03P/lj6yld7b8D3Au8sFn+o59iP732+0jX9B78P6whcWQhze1a4JVJnprkZ4BXNO13Ayc207/e1f+ZwM7mL//XAAv2Y18vTXJ0kqcCZ9A5zCTNC4aFNIequgn4BJ1DPp8G/rZZdBHw+uay1kVdq1wMrEvyFeDfAA/tx+6uAz62d189zldII+MtyqX9kOTtwINVddGoa5GGyZGFJKmVIwtpiJKcBvzRrOa7quqVo6hH6pdhIUlq5WEoSVIrw0KS1MqwkCS1MiwkSa3+P4jMNGDh5ZaUAAAAAElFTkSuQmCC"/>
-          <p:cNvSpPr>
-            <a:spLocks noChangeAspect="1" noChangeArrowheads="1"/>
-          </p:cNvSpPr>
-          <p:nvPr/>
-        </p:nvSpPr>
-        <p:spPr bwMode="auto">
-          <a:xfrm>
-            <a:off x="307975" y="7937"/>
-            <a:ext cx="304800" cy="304801"/>
-          </a:xfrm>
-          <a:prstGeom prst="rect">
-            <a:avLst/>
-          </a:prstGeom>
-          <a:noFill/>
-          <a:extLst>
-            <a:ext uri="{909E8E84-426E-40DD-AFC4-6F175D3DCCD1}">
-              <a14:hiddenFill xmlns:a14="http://schemas.microsoft.com/office/drawing/2010/main">
-                <a:solidFill>
-                  <a:srgbClr val="FFFFFF"/>
-                </a:solidFill>
-              </a14:hiddenFill>
-            </a:ext>
-          </a:extLst>
-        </p:spPr>
-        <p:txBody>
-          <a:bodyPr vert="horz" wrap="square" lIns="91440" tIns="45720" rIns="91440" bIns="45720" numCol="1" anchor="t" anchorCtr="0" compatLnSpc="1">
-            <a:prstTxWarp prst="textNoShape">
-              <a:avLst/>
-            </a:prstTxWarp>
-          </a:bodyPr>
-          <a:lstStyle/>
-          <a:p>
-            <a:endParaRPr lang="en-US"/>
-          </a:p>
-        </p:txBody>
-      </p:sp>
-      <p:sp>
-        <p:nvSpPr>
-          <p:cNvPr id="6" name="AutoShape 8" descr="data:image/png;base64,iVBORw0KGgoAAAANSUhEUgAAAYsAAAEXCAYAAABcRGizAAAAOXRFWHRTb2Z0d2FyZQBNYXRwbG90bGliIHZlcnNpb24zLjMuMiwgaHR0cHM6Ly9tYXRwbG90bGliLm9yZy8vihELAAAACXBIWXMAAAsTAAALEwEAmpwYAAAXBElEQVR4nO3df/BddX3n8efLBPFXEWi+QEyiiTbrNlCty3dYVtsOs9QldpWgU2jcRWJlJ7sOrWutdaF2xLpmx1rq+qPiTKpIUArGn6TtoGI6ltKi9Ati+SU1CpKvieSL1MqPFZr43j/uyXj5cvM9NzH33m+4z8fMne85n/M557zvd5L7+n7OOfecVBWSJM3lSaMuQJI0/xkWkqRWhoUkqZVhIUlqZVhIkloZFpKkVoaFxlqS1ya5rmv+wSTPHWVNo5bklCTTo65D84thoXmv+UC/JcnDSb6X5OIkzxzEvqrqGVX17Wa/lyZ550+zvST/JclUE0I7k1yd5JcOTrVz7reS/Nwcy1+bZE9T1w+T3Jzk5Qewn5/6d6RDg2GheS3J7wJ/BPwe8EzgZGA58MUkh42wtFZJ3gS8F/g/wLHAs4GLgTUjLKvb9VX1DOBI4CPA5iRHj7YkzVtV5cvXvHwBRwAPAmfNan8GsAtY18xfCryza/kpwHTX/PnAt4AHgNuBV3Ytey1wXdd8AT8HrAf+FXi0qeEv6ATWp2fV8gHgvT1qf2az3plzvL/D6YTJjub1XuDwXnV119b1nj8I/FXzvr4KPK9Zdm3T96Gmht/ose/Z7/vpzTqTPX5/Pw98GfgBcBtwetP+uN/RqP/N+Brcy5GF5rMXA08BPtPdWFUPAlcD/6nP7XwL+GU6H+B/CHw8yeK5VqiqjcDlwLurc2jqFcDHgdVJjgRIshD4DeBjPTbxH5raPzvHbt5KZ6T0i8ALgZOAP+jzPQG8unk/RwHbgA1N7b/SLH9hU/sn5tpI8z7+G50P/G/OWnYYnaD8InAM8NvA5Umev4/fkZ6gDAvNZ4uA+6pqd49lO4GJfjZSVZ+sqh1V9ePmg/ObdD6Y90tV7aTzV/uZTdPqpr4be3T/2Tlq3+u/Au+oql1VNUPng/81+1HSZ6rqhmYfl9MJnf1xcpIfAN+jEzyvrKp/md2HzkjuXVX1aFX9NfCXTX+NEcNC89l9wKLmL9/ZFgMz/WwkyTnNCdwfNB+OJ9AJogOxCTi7mT6b3qMKgO+z79r3ehbwna757zRt/fpe1/TDdD7U98dXqurIqlpUVSdX1Zf2UeP2qvrxrDqX7Oe+dIgzLDSfXQ88AryquzHJ04GXAX/TND0EPK2ry3FdfZ8D/BnwW8DPVtWRwK1A+th/r1syfw54QZITgJfT+Yt+X7X/CDhjju3vAJ7TNf/spg1mvackxzEaO4BlSbo/K54NfLeZ9rbVY8Kw0LzVHBL5Q+ADSVYnOSzJcuCTdEYdez+obwZ+LcnRzYfqG7s2s/fE7QxAkt+kM7Lox73AY75zUVU/Aj4F/DlwQ1XdM0ftbwM+mOSMJE9r6n9Zknc33a4A/iDJRJJFTf+PN8u+Dhyf5BeTPAV4e58177P2A/RVOsH1lqb+U4BXAFce5P1onjMsNK9V1buB3wcuonPVz110/uL+1ap6qOn2MTofrnfTORH7ia71bwf+hM5f+vcCvwD8XZ+7/wiwqjl89bmu9k3NdvZ1CGrvvt8DvInOSesZYDudEc7ebb0TmAL+EbgFuKlpo6r+CXgH8CU651iuY/+8HdjU1H7Wfq7b/R4eBU6nM5K7j86lv+dU1TeaLvv6HekJJlWOInXoSPI6OqONl+zrr/oh1PBs4BvAcVX1w1HUIA3bXCffpHmnqi5J8q90Lqsdelg0x+7fBFxpUGicOLKQ+tScWL+XztVAq6tq+4hLkobGsJAktfIEtySp1RP2nMWiRYtq+fLloy5Dkg4pN954431V9bi7Izxhw2L58uVMTU2NugxJOqQk+U6vdg9DSZJaGRaSpFaGhSSp1cDCIsklSXYlubXHsjc3j31c1NV2QZJtSe5MclpX+4nNIzW3JXl/kn5uACdJOogGObK4lM79/h8jyTLgpXR9+zbJKmAtcHyzzsVJFjSLP0TniVwrm9fjtilJGqyBhUVVXQvc32PR/wXewmNvbbyGzu0THqmqu+g89euk5mlmR1TV9dX59uBlzH3LZ0nSAAz1nEWS04HvVtXXZy1aQueOnHtNN21LmunZ7fva/vokU0mmZmb6ei6OJKkPQwuLJE+j88zht/Va3KOt5mjvqao2VtVkVU1OTPT1xE1JUh+G+aW85wErgK8356iXAjclOYnOiGFZV9+ldJ7QNd1Mz26XJA3R0MKiqm4Bjtk7n+RuYLKq7kuyBfjzJO+h88zflXSeQrYnyQNJTqbzxK5zgA8Mo94Tf++yYexGh5gb//icUZcgjcQgL529gs7TyZ6fZDrJufvqW1W3AZuB24HPA+dV1Z5m8euBD9M56f0t4OpB1SxJ6m1gI4uqenXL8uWz5jcAG3r0m6L/ZyZLkgbAb3BLkloZFpKkVoaFJKmVYSFJamVYSJJaGRaSpFaGhSSplWEhSWplWEiSWhkWkqRWhoUkqZVhIUlqZVhIkloZFpKkVoaFJKmVYSFJamVYSJJaGRaSpFaGhSSplWEhSWplWEiSWg0sLJJckmRXklu72v44yTeS/GOSzyY5smvZBUm2JbkzyWld7ScmuaVZ9v4kGVTNkqTeBjmyuBRYPavtGuCEqnoB8E/ABQBJVgFrgeObdS5OsqBZ50PAemBl85q9TUnSgA0sLKrqWuD+WW1frKrdzexXgKXN9Brgyqp6pKruArYBJyVZDBxRVddXVQGXAWcMqmZJUm+jPGfxOuDqZnoJsL1r2XTTtqSZnt3eU5L1SaaSTM3MzBzkciVpfI0kLJK8FdgNXL63qUe3mqO9p6raWFWTVTU5MTHx0xcqSQJg4bB3mGQd8HLg1ObQEnRGDMu6ui0FdjTtS3u0S5KGaKgjiySrgf8FnF5VD3ct2gKsTXJ4khV0TmTfUFU7gQeSnNxcBXUOcNUwa5YkDXBkkeQK4BRgUZJp4EI6Vz8dDlzTXAH7lar6H1V1W5LNwO10Dk+dV1V7mk29ns6VVU+lc47jaiRJQzWwsKiqV/do/sgc/TcAG3q0TwEnHMTSJEn7yW9wS5JaGRaSpFaGhSSplWEhSWplWEiSWhkWkqRWhoUkqZVhIUlqZVhIkloZFpKkVoaFJKmVYSFJamVYSJJaGRaSpFaGhSSplWEhSWplWEiSWhkWkqRWhoUkqZVhIUlqZVhIkloNLCySXJJkV5Jbu9qOTnJNkm82P4/qWnZBkm1J7kxyWlf7iUluaZa9P0kGVbMkqbdBjiwuBVbPajsf2FpVK4GtzTxJVgFrgeObdS5OsqBZ50PAemBl85q9TUnSgA0sLKrqWuD+Wc1rgE3N9CbgjK72K6vqkaq6C9gGnJRkMXBEVV1fVQVc1rWOJGlIhn3O4tiq2gnQ/DymaV8CbO/qN920LWmmZ7f3lGR9kqkkUzMzMwe1cEkaZ/PlBHev8xA1R3tPVbWxqiaranJiYuKgFSdJ427YYXFvc2iJ5ueupn0aWNbVbymwo2lf2qNdkjREww6LLcC6ZnodcFVX+9okhydZQedE9g3NoaoHkpzcXAV1Ttc6kqQhWTioDSe5AjgFWJRkGrgQeBewOcm5wD3AmQBVdVuSzcDtwG7gvKra02zq9XSurHoqcHXzkiQN0cDCoqpevY9Fp+6j/wZgQ4/2KeCEg1iaJGk/zZcT3JKkecywkCS1MiwkSa0MC0lSK8NCktTKsJAktTIsJEmtDAtJUivDQpLUyrCQJLUyLCRJrQwLSVIrw0KS1MqwkCS1MiwkSa0MC0lSK8NCktTKsJAktTIsJEmtDAtJUivDQpLUaiRhkeR3ktyW5NYkVyR5SpKjk1yT5JvNz6O6+l+QZFuSO5OcNoqaJWmcDT0skiwB3gBMVtUJwAJgLXA+sLWqVgJbm3mSrGqWHw+sBi5OsmDYdUvSOBvVYaiFwFOTLASeBuwA1gCbmuWbgDOa6TXAlVX1SFXdBWwDThpuuZI03voKiyRb+2nrR1V9F7gIuAfYCfxLVX0ROLaqdjZ9dgLHNKssAbZ3bWK6aetV5/okU0mmZmZmDqQ8SVIPc4bF3nMJwKIkRzXnFY5Oshx41oHssDkXsQZY0Wzj6UnOnmuVHm3Vq2NVbayqyaqanJiYOJDyJEk9LGxZ/t+BN9L5UL+Rn3xw/xD44AHu81eBu6pqBiDJZ4AXA/cmWVxVO5MsBnY1/aeBZV3rL6Vz2EqSNCRzjiyq6n1VtQJ4c1U9t6pWNK8XVtWfHuA+7wFOTvK0JAFOBe4AtgDrmj7rgKua6S3A2iSHJ1kBrARuOMB9S5IOQNvIAoCq+kCSFwPLu9epqsv2d4dV9dUknwJuAnYDXwM2As8ANic5l06gnNn0vy3JZuD2pv95VbVnf/crSTpwfYVFko8BzwNuBvZ+UBew32EBUFUXAhfOan6EziijV/8NwIYD2Zck6afXV1gAk8Cqqup5YlmS9MTW7/csbgWOG2QhkqT5q9+RxSLg9iQ30DlcBEBVnT6QqiRJ80q/YfH2QRYhSZrf+r0a6m8GXYgkaf7q92qoB/jJt6afDBwGPFRVRwyqMEnS/NHvyOJnuueTnIE385OksXFAd52tqs8B//HgliJJmq/6PQz1qq7ZJ9H53oXfuZCkMdHv1VCv6JreDdxN586xkqQx0O85i98cdCGSpPmr34cfLU3y2SS7ktyb5NNJlg66OEnS/NDvCe6P0rlV+LPoPKXuL5o2SdIY6DcsJqrqo1W1u3ldCvgoOkkaE/2GxX1Jzk6yoHmdDXx/kIVJkuaPfsPidcBZwPeAncCvA570lqQx0e+ls/8bWFdV/wyQ5GjgIjohIkl6gut3ZPGCvUEBUFX3Ay8aTEmSpPmm37B4UpKj9s40I4t+RyWSpENcvx/4fwL8fZJP0bnNx1n4TGxJGhv9foP7siRTdG4eGOBVVXX7QCuTJM0bfR9KasLhoAREkiOBDwMn0BmpvA64E/gEsJzOvafO6jqhfgFwLrAHeENVfeFg1CFJ6s8B3aL8IHgf8Pmq+rfAC4E7gPOBrVW1EtjazJNkFbAWOB5YDVycZMFIqpakMTX0sEhyBPArwEcAqurRqvoBnbvYbmq6bQLOaKbXAFdW1SNVdRewDR+8JElDNYqRxXOBGeCjSb6W5MNJng4cW1U7AZqfxzT9lwDbu9afbtoeJ8n6JFNJpmZmZgb3DiRpzIwiLBYC/w74UFW9CHiI5pDTPqRHW88HL1XVxqqarKrJiQlvXSVJB8sowmIamK6qrzbzn6ITHvcmWQzQ/NzV1X9Z1/pLgR1DqlWSxAjCoqq+B2xP8vym6VQ6V1ltAdY1beuAq5rpLcDaJIcnWQGsBG4YYsmSNPZG9S3s3wYuT/Jk4Nt0bkr4JGBzknOBe4AzAarqtiSb6QTKbuC8qtozmrIlaTyNJCyq6mZgsseiU/fRfwN+Y1ySRmZU37OQJB1CDAtJUivDQpLUyrCQJLUyLCRJrQwLSVIrw0KS1MqwkCS1MiwkSa0MC0lSK8NCktTKsJAktTIsJEmtDAtJUivDQpLUyrCQJLUyLCRJrQwLSVIrw0KS1MqwkCS1MiwkSa1GFhZJFiT5WpK/bOaPTnJNkm82P4/q6ntBkm1J7kxy2qhqlqRxNcqRxf8E7uiaPx/YWlUrga3NPElWAWuB44HVwMVJFgy5VkkaayMJiyRLgf8MfLireQ2wqZneBJzR1X5lVT1SVXcB24CThlSqJInRjSzeC7wF+HFX27FVtROg+XlM074E2N7Vb7ppe5wk65NMJZmamZk56EVL0rgaelgkeTmwq6pu7HeVHm3Vq2NVbayqyaqanJiYOOAaJUmPtXAE+3wJcHqSXwOeAhyR5OPAvUkWV9XOJIuBXU3/aWBZ1/pLgR1DrViSxtzQRxZVdUFVLa2q5XROXP91VZ0NbAHWNd3WAVc101uAtUkOT7ICWAncMOSyJWmsjWJksS/vAjYnORe4BzgToKpuS7IZuB3YDZxXVXtGV6YkjZ+RhkVVfRn4cjP9feDUffTbAGwYWmGSpMfwG9ySpFaGhSSplWEhSWplWEiSWhkWkqRWhoUkqZVhIUlqZVhIkloZFpKkVoaFJKmVYSFJamVYSJJaGRaSpFaGhSSplWEhSWplWEiSWhkWkqRWhoUkqZVhIUlqZVhIkloZFpKkVguHvcMky4DLgOOAHwMbq+p9SY4GPgEsB+4Gzqqqf27WuQA4F9gDvKGqvjDsuqX55J53/MKoS9A89Oy33TKwbY9iZLEb+N2q+nngZOC8JKuA84GtVbUS2NrM0yxbCxwPrAYuTrJgBHVL0tgaelhU1c6quqmZfgC4A1gCrAE2Nd02AWc002uAK6vqkaq6C9gGnDTUoiVpzI30nEWS5cCLgK8Cx1bVTugECnBM020JsL1rtemmrdf21ieZSjI1MzMzsLoladyMLCySPAP4NPDGqvrhXF17tFWvjlW1saomq2pyYmLiYJQpSWJEYZHkMDpBcXlVfaZpvjfJ4mb5YmBX0z4NLOtafSmwY1i1SpJGEBZJAnwEuKOq3tO1aAuwrpleB1zV1b42yeFJVgArgRuGVa8kaQSXzgIvAV4D3JLk5qbt94F3AZuTnAvcA5wJUFW3JdkM3E7nSqrzqmrP0KuWpDE29LCoquvofR4C4NR9rLMB2DCwoiRJc/Ib3JKkVoaFJKmVYSFJamVYSJJaGRaSpFaGhSSplWEhSWplWEiSWhkWkqRWhoUkqZVhIUlqZVhIkloZFpKkVoaFJKmVYSFJamVYSJJaGRaSpFaGhSSplWEhSWplWEiSWhkWkqRWh0xYJFmd5M4k25KcP+p6JGmcHBJhkWQB8EHgZcAq4NVJVo22KkkaH4dEWAAnAduq6ttV9ShwJbBmxDVJ0thYOOoC+rQE2N41Pw38+9mdkqwH1jezDya5cwi1jYNFwH2jLmI+yEXrRl2CHs9/n3tdmIOxlef0ajxUwqLXb6Ae11C1Edg4+HLGS5KpqpocdR1SL/77HI5D5TDUNLCsa34psGNEtUjS2DlUwuIfgJVJViR5MrAW2DLimiRpbBwSh6GqaneS3wK+ACwALqmq20Zc1jjx0J7mM/99DkGqHnfoX5KkxzhUDkNJkkbIsJAktTIsNCdvs6L5KsklSXYluXXUtYwDw0L75G1WNM9dCqwedRHjwrDQXLzNiuatqroWuH/UdYwLw0Jz6XWblSUjqkXSCBkWmktft1mR9MRnWGgu3mZFEmBYaG7eZkUSYFhoDlW1G9h7m5U7gM3eZkXzRZIrgOuB5yeZTnLuqGt6IvN2H5KkVo4sJEmtDAtJUivDQpLUyrCQJLUyLCRJrQwLSVIrw0IagiTL57qVdpLXJvnTfSz7+8FVJvXHsJDmuap68ahrkAwLqUWStzYPgPpSkiuSvDnJl5NMNssXJbm7mV6e5G+T3NS89ueDflmSzzf7urBr/w82P09p9vupJN9IcnmSXjd7lA66haMuQJrPkpxI555YL6Lz/+Um4MY5VtkFvLSqfpRkJXAFMNnn7k4CTgAeBv4hyV9V1dSsPi8CjqdzQ8e/A14CXNfn9qUD5shCmtsvA5+tqoer6oe030jxMODPktwCfJLOEwb7dU1Vfb+q/h/wGeCXevS5oaqmq+rHwM3A8v3YvnTAHFlI7XrdQG03P/lj6yld7b8D3Au8sFn+o59iP732+0jX9B78P6whcWQhze1a4JVJnprkZ4BXNO13Ayc207/e1f+ZwM7mL//XAAv2Y18vTXJ0kqcCZ9A5zCTNC4aFNIequgn4BJ1DPp8G/rZZdBHw+uay1kVdq1wMrEvyFeDfAA/tx+6uAz62d189zldII+MtyqX9kOTtwINVddGoa5GGyZGFJKmVIwtpiJKcBvzRrOa7quqVo6hH6pdhIUlq5WEoSVIrw0KS1MqwkCS1MiwkSa3+P4jMNGDh5ZaUAAAAAElFTkSuQmCC"/>
-          <p:cNvSpPr>
-            <a:spLocks noChangeAspect="1" noChangeArrowheads="1"/>
-          </p:cNvSpPr>
-          <p:nvPr/>
-        </p:nvSpPr>
-        <p:spPr bwMode="auto">
-          <a:xfrm>
-            <a:off x="460375" y="160337"/>
-            <a:ext cx="304800" cy="304801"/>
-          </a:xfrm>
-          <a:prstGeom prst="rect">
-            <a:avLst/>
-          </a:prstGeom>
-          <a:noFill/>
-          <a:extLst>
-            <a:ext uri="{909E8E84-426E-40DD-AFC4-6F175D3DCCD1}">
-              <a14:hiddenFill xmlns:a14="http://schemas.microsoft.com/office/drawing/2010/main">
-                <a:solidFill>
-                  <a:srgbClr val="FFFFFF"/>
-                </a:solidFill>
-              </a14:hiddenFill>
-            </a:ext>
-          </a:extLst>
-        </p:spPr>
-        <p:txBody>
-          <a:bodyPr vert="horz" wrap="square" lIns="91440" tIns="45720" rIns="91440" bIns="45720" numCol="1" anchor="t" anchorCtr="0" compatLnSpc="1">
-            <a:prstTxWarp prst="textNoShape">
-              <a:avLst/>
-            </a:prstTxWarp>
-          </a:bodyPr>
-          <a:lstStyle/>
-          <a:p>
-            <a:endParaRPr lang="en-US"/>
+              <a:t>Matrix</a:t>
+            </a:r>
+            <a:endParaRPr lang="en-US" dirty="0"/>
           </a:p>
         </p:txBody>
       </p:sp>
       <p:pic>
         <p:nvPicPr>
-          <p:cNvPr id="9" name="Content Placeholder 8"/>
+          <p:cNvPr id="4" name="Content Placeholder 3"/>
           <p:cNvPicPr>
             <a:picLocks noGrp="1" noChangeAspect="1"/>
           </p:cNvPicPr>
@@ -5347,15 +5862,15 @@
         </p:blipFill>
         <p:spPr>
           <a:xfrm>
-            <a:off x="612775" y="1981200"/>
-            <a:ext cx="7997825" cy="4525963"/>
+            <a:off x="2100670" y="1600200"/>
+            <a:ext cx="4942659" cy="4525963"/>
           </a:xfrm>
         </p:spPr>
       </p:pic>
     </p:spTree>
     <p:extLst>
       <p:ext uri="{BB962C8B-B14F-4D97-AF65-F5344CB8AC3E}">
-        <p14:creationId xmlns:p14="http://schemas.microsoft.com/office/powerpoint/2010/main" val="2591799034"/>
+        <p14:creationId xmlns:p14="http://schemas.microsoft.com/office/powerpoint/2010/main" val="2515678253"/>
       </p:ext>
     </p:extLst>
   </p:cSld>
